--- a/1st_Premier_Project/Confirmed_Deliverables/Predicting School Attendance Rate in Sub-National African Countries (Using Educational Infrastructure)_NeuralCraft.pptx
+++ b/1st_Premier_Project/Confirmed_Deliverables/Predicting School Attendance Rate in Sub-National African Countries (Using Educational Infrastructure)_NeuralCraft.pptx
@@ -18,24 +18,30 @@
     <p:sldId id="263" r:id="rId15"/>
     <p:sldId id="264" r:id="rId16"/>
     <p:sldId id="265" r:id="rId17"/>
+    <p:sldId id="266" r:id="rId18"/>
+    <p:sldId id="267" r:id="rId19"/>
+    <p:sldId id="268" r:id="rId20"/>
+    <p:sldId id="269" r:id="rId21"/>
+    <p:sldId id="270" r:id="rId22"/>
+    <p:sldId id="271" r:id="rId23"/>
   </p:sldIdLst>
   <p:sldSz cy="5143500" cx="9144000"/>
   <p:notesSz cx="6858000" cy="9144000"/>
   <p:embeddedFontLst>
     <p:embeddedFont>
       <p:font typeface="Lexend SemiBold"/>
-      <p:regular r:id="rId18"/>
-      <p:bold r:id="rId19"/>
+      <p:regular r:id="rId24"/>
+      <p:bold r:id="rId25"/>
     </p:embeddedFont>
     <p:embeddedFont>
       <p:font typeface="Lexend Medium"/>
-      <p:regular r:id="rId20"/>
-      <p:bold r:id="rId21"/>
+      <p:regular r:id="rId26"/>
+      <p:bold r:id="rId27"/>
     </p:embeddedFont>
     <p:embeddedFont>
       <p:font typeface="Lexend"/>
-      <p:regular r:id="rId22"/>
-      <p:bold r:id="rId23"/>
+      <p:regular r:id="rId28"/>
+      <p:bold r:id="rId29"/>
     </p:embeddedFont>
   </p:embeddedFontLst>
   <p:defaultTextStyle>
@@ -846,7 +852,7 @@
   <p:cSld>
     <p:spTree>
       <p:nvGrpSpPr>
-        <p:cNvPr id="115" name="Shape 115"/>
+        <p:cNvPr id="117" name="Shape 117"/>
         <p:cNvGrpSpPr/>
         <p:nvPr/>
       </p:nvGrpSpPr>
@@ -860,7 +866,7 @@
       </p:grpSpPr>
       <p:sp>
         <p:nvSpPr>
-          <p:cNvPr id="116" name="Google Shape;116;g762f01053a55d460_51:notes"/>
+          <p:cNvPr id="118" name="Google Shape;118;g299f516e851_0_13:notes"/>
           <p:cNvSpPr/>
           <p:nvPr>
             <p:ph idx="2" type="sldImg"/>
@@ -895,7 +901,601 @@
       </p:sp>
       <p:sp>
         <p:nvSpPr>
-          <p:cNvPr id="117" name="Google Shape;117;g762f01053a55d460_51:notes"/>
+          <p:cNvPr id="119" name="Google Shape;119;g299f516e851_0_13:notes"/>
+          <p:cNvSpPr txBox="1"/>
+          <p:nvPr>
+            <p:ph idx="1" type="body"/>
+          </p:nvPr>
+        </p:nvSpPr>
+        <p:spPr>
+          <a:xfrm>
+            <a:off x="685800" y="4343400"/>
+            <a:ext cx="5486400" cy="4114800"/>
+          </a:xfrm>
+          <a:prstGeom prst="rect">
+            <a:avLst/>
+          </a:prstGeom>
+        </p:spPr>
+        <p:txBody>
+          <a:bodyPr anchorCtr="0" anchor="t" bIns="91425" lIns="91425" spcFirstLastPara="1" rIns="91425" wrap="square" tIns="91425">
+            <a:noAutofit/>
+          </a:bodyPr>
+          <a:lstStyle/>
+          <a:p>
+            <a:pPr indent="0" lvl="0" marL="0" rtl="0" algn="l">
+              <a:spcBef>
+                <a:spcPts val="0"/>
+              </a:spcBef>
+              <a:spcAft>
+                <a:spcPts val="0"/>
+              </a:spcAft>
+              <a:buNone/>
+            </a:pPr>
+            <a:r>
+              <a:t/>
+            </a:r>
+            <a:endParaRPr/>
+          </a:p>
+        </p:txBody>
+      </p:sp>
+    </p:spTree>
+  </p:cSld>
+  <p:clrMapOvr>
+    <a:masterClrMapping/>
+  </p:clrMapOvr>
+</p:notes>
+</file>
+
+<file path=ppt/notesSlides/notesSlide11.xml><?xml version="1.0" encoding="utf-8"?>
+<p:notes xmlns:a="http://schemas.openxmlformats.org/drawingml/2006/main" xmlns:r="http://schemas.openxmlformats.org/officeDocument/2006/relationships" xmlns:mc="http://schemas.openxmlformats.org/markup-compatibility/2006" xmlns:mv="urn:schemas-microsoft-com:mac:vml" xmlns:p="http://schemas.openxmlformats.org/presentationml/2006/main" xmlns:c="http://schemas.openxmlformats.org/drawingml/2006/chart" xmlns:dgm="http://schemas.openxmlformats.org/drawingml/2006/diagram" xmlns:o="urn:schemas-microsoft-com:office:office" xmlns:v="urn:schemas-microsoft-com:vml" xmlns:pvml="urn:schemas-microsoft-com:office:powerpoint" xmlns:com="http://schemas.openxmlformats.org/drawingml/2006/compatibility" xmlns:p14="http://schemas.microsoft.com/office/powerpoint/2010/main" xmlns:p15="http://schemas.microsoft.com/office/powerpoint/2012/main" xmlns:ahyp="http://schemas.microsoft.com/office/drawing/2018/hyperlinkcolor" showMasterPhAnim="0" showMasterSp="0">
+  <p:cSld>
+    <p:spTree>
+      <p:nvGrpSpPr>
+        <p:cNvPr id="124" name="Shape 124"/>
+        <p:cNvGrpSpPr/>
+        <p:nvPr/>
+      </p:nvGrpSpPr>
+      <p:grpSpPr>
+        <a:xfrm>
+          <a:off x="0" y="0"/>
+          <a:ext cx="0" cy="0"/>
+          <a:chOff x="0" y="0"/>
+          <a:chExt cx="0" cy="0"/>
+        </a:xfrm>
+      </p:grpSpPr>
+      <p:sp>
+        <p:nvSpPr>
+          <p:cNvPr id="125" name="Google Shape;125;g299f516e851_0_47:notes"/>
+          <p:cNvSpPr/>
+          <p:nvPr>
+            <p:ph idx="2" type="sldImg"/>
+          </p:nvPr>
+        </p:nvSpPr>
+        <p:spPr>
+          <a:xfrm>
+            <a:off x="381300" y="685800"/>
+            <a:ext cx="6096000" cy="3429000"/>
+          </a:xfrm>
+          <a:custGeom>
+            <a:rect b="b" l="l" r="r" t="t"/>
+            <a:pathLst>
+              <a:path extrusionOk="0" h="120000" w="120000">
+                <a:moveTo>
+                  <a:pt x="0" y="0"/>
+                </a:moveTo>
+                <a:lnTo>
+                  <a:pt x="120000" y="0"/>
+                </a:lnTo>
+                <a:lnTo>
+                  <a:pt x="120000" y="120000"/>
+                </a:lnTo>
+                <a:lnTo>
+                  <a:pt x="0" y="120000"/>
+                </a:lnTo>
+                <a:close/>
+              </a:path>
+            </a:pathLst>
+          </a:custGeom>
+        </p:spPr>
+      </p:sp>
+      <p:sp>
+        <p:nvSpPr>
+          <p:cNvPr id="126" name="Google Shape;126;g299f516e851_0_47:notes"/>
+          <p:cNvSpPr txBox="1"/>
+          <p:nvPr>
+            <p:ph idx="1" type="body"/>
+          </p:nvPr>
+        </p:nvSpPr>
+        <p:spPr>
+          <a:xfrm>
+            <a:off x="685800" y="4343400"/>
+            <a:ext cx="5486400" cy="4114800"/>
+          </a:xfrm>
+          <a:prstGeom prst="rect">
+            <a:avLst/>
+          </a:prstGeom>
+        </p:spPr>
+        <p:txBody>
+          <a:bodyPr anchorCtr="0" anchor="t" bIns="91425" lIns="91425" spcFirstLastPara="1" rIns="91425" wrap="square" tIns="91425">
+            <a:noAutofit/>
+          </a:bodyPr>
+          <a:lstStyle/>
+          <a:p>
+            <a:pPr indent="0" lvl="0" marL="0" rtl="0" algn="l">
+              <a:spcBef>
+                <a:spcPts val="0"/>
+              </a:spcBef>
+              <a:spcAft>
+                <a:spcPts val="0"/>
+              </a:spcAft>
+              <a:buNone/>
+            </a:pPr>
+            <a:r>
+              <a:t/>
+            </a:r>
+            <a:endParaRPr/>
+          </a:p>
+        </p:txBody>
+      </p:sp>
+    </p:spTree>
+  </p:cSld>
+  <p:clrMapOvr>
+    <a:masterClrMapping/>
+  </p:clrMapOvr>
+</p:notes>
+</file>
+
+<file path=ppt/notesSlides/notesSlide12.xml><?xml version="1.0" encoding="utf-8"?>
+<p:notes xmlns:a="http://schemas.openxmlformats.org/drawingml/2006/main" xmlns:r="http://schemas.openxmlformats.org/officeDocument/2006/relationships" xmlns:mc="http://schemas.openxmlformats.org/markup-compatibility/2006" xmlns:mv="urn:schemas-microsoft-com:mac:vml" xmlns:p="http://schemas.openxmlformats.org/presentationml/2006/main" xmlns:c="http://schemas.openxmlformats.org/drawingml/2006/chart" xmlns:dgm="http://schemas.openxmlformats.org/drawingml/2006/diagram" xmlns:o="urn:schemas-microsoft-com:office:office" xmlns:v="urn:schemas-microsoft-com:vml" xmlns:pvml="urn:schemas-microsoft-com:office:powerpoint" xmlns:com="http://schemas.openxmlformats.org/drawingml/2006/compatibility" xmlns:p14="http://schemas.microsoft.com/office/powerpoint/2010/main" xmlns:p15="http://schemas.microsoft.com/office/powerpoint/2012/main" xmlns:ahyp="http://schemas.microsoft.com/office/drawing/2018/hyperlinkcolor" showMasterPhAnim="0" showMasterSp="0">
+  <p:cSld>
+    <p:spTree>
+      <p:nvGrpSpPr>
+        <p:cNvPr id="130" name="Shape 130"/>
+        <p:cNvGrpSpPr/>
+        <p:nvPr/>
+      </p:nvGrpSpPr>
+      <p:grpSpPr>
+        <a:xfrm>
+          <a:off x="0" y="0"/>
+          <a:ext cx="0" cy="0"/>
+          <a:chOff x="0" y="0"/>
+          <a:chExt cx="0" cy="0"/>
+        </a:xfrm>
+      </p:grpSpPr>
+      <p:sp>
+        <p:nvSpPr>
+          <p:cNvPr id="131" name="Google Shape;131;g762f01053a55d460_43:notes"/>
+          <p:cNvSpPr/>
+          <p:nvPr>
+            <p:ph idx="2" type="sldImg"/>
+          </p:nvPr>
+        </p:nvSpPr>
+        <p:spPr>
+          <a:xfrm>
+            <a:off x="381300" y="685800"/>
+            <a:ext cx="6096000" cy="3429000"/>
+          </a:xfrm>
+          <a:custGeom>
+            <a:rect b="b" l="l" r="r" t="t"/>
+            <a:pathLst>
+              <a:path extrusionOk="0" h="120000" w="120000">
+                <a:moveTo>
+                  <a:pt x="0" y="0"/>
+                </a:moveTo>
+                <a:lnTo>
+                  <a:pt x="120000" y="0"/>
+                </a:lnTo>
+                <a:lnTo>
+                  <a:pt x="120000" y="120000"/>
+                </a:lnTo>
+                <a:lnTo>
+                  <a:pt x="0" y="120000"/>
+                </a:lnTo>
+                <a:close/>
+              </a:path>
+            </a:pathLst>
+          </a:custGeom>
+        </p:spPr>
+      </p:sp>
+      <p:sp>
+        <p:nvSpPr>
+          <p:cNvPr id="132" name="Google Shape;132;g762f01053a55d460_43:notes"/>
+          <p:cNvSpPr txBox="1"/>
+          <p:nvPr>
+            <p:ph idx="1" type="body"/>
+          </p:nvPr>
+        </p:nvSpPr>
+        <p:spPr>
+          <a:xfrm>
+            <a:off x="685800" y="4343400"/>
+            <a:ext cx="5486400" cy="4114800"/>
+          </a:xfrm>
+          <a:prstGeom prst="rect">
+            <a:avLst/>
+          </a:prstGeom>
+        </p:spPr>
+        <p:txBody>
+          <a:bodyPr anchorCtr="0" anchor="t" bIns="91425" lIns="91425" spcFirstLastPara="1" rIns="91425" wrap="square" tIns="91425">
+            <a:noAutofit/>
+          </a:bodyPr>
+          <a:lstStyle/>
+          <a:p>
+            <a:pPr indent="0" lvl="0" marL="0" rtl="0" algn="l">
+              <a:spcBef>
+                <a:spcPts val="0"/>
+              </a:spcBef>
+              <a:spcAft>
+                <a:spcPts val="0"/>
+              </a:spcAft>
+              <a:buNone/>
+            </a:pPr>
+            <a:r>
+              <a:t/>
+            </a:r>
+            <a:endParaRPr/>
+          </a:p>
+        </p:txBody>
+      </p:sp>
+    </p:spTree>
+  </p:cSld>
+  <p:clrMapOvr>
+    <a:masterClrMapping/>
+  </p:clrMapOvr>
+</p:notes>
+</file>
+
+<file path=ppt/notesSlides/notesSlide13.xml><?xml version="1.0" encoding="utf-8"?>
+<p:notes xmlns:a="http://schemas.openxmlformats.org/drawingml/2006/main" xmlns:r="http://schemas.openxmlformats.org/officeDocument/2006/relationships" xmlns:mc="http://schemas.openxmlformats.org/markup-compatibility/2006" xmlns:mv="urn:schemas-microsoft-com:mac:vml" xmlns:p="http://schemas.openxmlformats.org/presentationml/2006/main" xmlns:c="http://schemas.openxmlformats.org/drawingml/2006/chart" xmlns:dgm="http://schemas.openxmlformats.org/drawingml/2006/diagram" xmlns:o="urn:schemas-microsoft-com:office:office" xmlns:v="urn:schemas-microsoft-com:vml" xmlns:pvml="urn:schemas-microsoft-com:office:powerpoint" xmlns:com="http://schemas.openxmlformats.org/drawingml/2006/compatibility" xmlns:p14="http://schemas.microsoft.com/office/powerpoint/2010/main" xmlns:p15="http://schemas.microsoft.com/office/powerpoint/2012/main" xmlns:ahyp="http://schemas.microsoft.com/office/drawing/2018/hyperlinkcolor" showMasterPhAnim="0" showMasterSp="0">
+  <p:cSld>
+    <p:spTree>
+      <p:nvGrpSpPr>
+        <p:cNvPr id="136" name="Shape 136"/>
+        <p:cNvGrpSpPr/>
+        <p:nvPr/>
+      </p:nvGrpSpPr>
+      <p:grpSpPr>
+        <a:xfrm>
+          <a:off x="0" y="0"/>
+          <a:ext cx="0" cy="0"/>
+          <a:chOff x="0" y="0"/>
+          <a:chExt cx="0" cy="0"/>
+        </a:xfrm>
+      </p:grpSpPr>
+      <p:sp>
+        <p:nvSpPr>
+          <p:cNvPr id="137" name="Google Shape;137;g299f516e851_0_34:notes"/>
+          <p:cNvSpPr/>
+          <p:nvPr>
+            <p:ph idx="2" type="sldImg"/>
+          </p:nvPr>
+        </p:nvSpPr>
+        <p:spPr>
+          <a:xfrm>
+            <a:off x="381300" y="685800"/>
+            <a:ext cx="6096000" cy="3429000"/>
+          </a:xfrm>
+          <a:custGeom>
+            <a:rect b="b" l="l" r="r" t="t"/>
+            <a:pathLst>
+              <a:path extrusionOk="0" h="120000" w="120000">
+                <a:moveTo>
+                  <a:pt x="0" y="0"/>
+                </a:moveTo>
+                <a:lnTo>
+                  <a:pt x="120000" y="0"/>
+                </a:lnTo>
+                <a:lnTo>
+                  <a:pt x="120000" y="120000"/>
+                </a:lnTo>
+                <a:lnTo>
+                  <a:pt x="0" y="120000"/>
+                </a:lnTo>
+                <a:close/>
+              </a:path>
+            </a:pathLst>
+          </a:custGeom>
+        </p:spPr>
+      </p:sp>
+      <p:sp>
+        <p:nvSpPr>
+          <p:cNvPr id="138" name="Google Shape;138;g299f516e851_0_34:notes"/>
+          <p:cNvSpPr txBox="1"/>
+          <p:nvPr>
+            <p:ph idx="1" type="body"/>
+          </p:nvPr>
+        </p:nvSpPr>
+        <p:spPr>
+          <a:xfrm>
+            <a:off x="685800" y="4343400"/>
+            <a:ext cx="5486400" cy="4114800"/>
+          </a:xfrm>
+          <a:prstGeom prst="rect">
+            <a:avLst/>
+          </a:prstGeom>
+        </p:spPr>
+        <p:txBody>
+          <a:bodyPr anchorCtr="0" anchor="t" bIns="91425" lIns="91425" spcFirstLastPara="1" rIns="91425" wrap="square" tIns="91425">
+            <a:noAutofit/>
+          </a:bodyPr>
+          <a:lstStyle/>
+          <a:p>
+            <a:pPr indent="0" lvl="0" marL="0" rtl="0" algn="l">
+              <a:spcBef>
+                <a:spcPts val="0"/>
+              </a:spcBef>
+              <a:spcAft>
+                <a:spcPts val="0"/>
+              </a:spcAft>
+              <a:buNone/>
+            </a:pPr>
+            <a:r>
+              <a:t/>
+            </a:r>
+            <a:endParaRPr/>
+          </a:p>
+        </p:txBody>
+      </p:sp>
+    </p:spTree>
+  </p:cSld>
+  <p:clrMapOvr>
+    <a:masterClrMapping/>
+  </p:clrMapOvr>
+</p:notes>
+</file>
+
+<file path=ppt/notesSlides/notesSlide14.xml><?xml version="1.0" encoding="utf-8"?>
+<p:notes xmlns:a="http://schemas.openxmlformats.org/drawingml/2006/main" xmlns:r="http://schemas.openxmlformats.org/officeDocument/2006/relationships" xmlns:mc="http://schemas.openxmlformats.org/markup-compatibility/2006" xmlns:mv="urn:schemas-microsoft-com:mac:vml" xmlns:p="http://schemas.openxmlformats.org/presentationml/2006/main" xmlns:c="http://schemas.openxmlformats.org/drawingml/2006/chart" xmlns:dgm="http://schemas.openxmlformats.org/drawingml/2006/diagram" xmlns:o="urn:schemas-microsoft-com:office:office" xmlns:v="urn:schemas-microsoft-com:vml" xmlns:pvml="urn:schemas-microsoft-com:office:powerpoint" xmlns:com="http://schemas.openxmlformats.org/drawingml/2006/compatibility" xmlns:p14="http://schemas.microsoft.com/office/powerpoint/2010/main" xmlns:p15="http://schemas.microsoft.com/office/powerpoint/2012/main" xmlns:ahyp="http://schemas.microsoft.com/office/drawing/2018/hyperlinkcolor" showMasterPhAnim="0" showMasterSp="0">
+  <p:cSld>
+    <p:spTree>
+      <p:nvGrpSpPr>
+        <p:cNvPr id="143" name="Shape 143"/>
+        <p:cNvGrpSpPr/>
+        <p:nvPr/>
+      </p:nvGrpSpPr>
+      <p:grpSpPr>
+        <a:xfrm>
+          <a:off x="0" y="0"/>
+          <a:ext cx="0" cy="0"/>
+          <a:chOff x="0" y="0"/>
+          <a:chExt cx="0" cy="0"/>
+        </a:xfrm>
+      </p:grpSpPr>
+      <p:sp>
+        <p:nvSpPr>
+          <p:cNvPr id="144" name="Google Shape;144;g762f01053a55d460_57:notes"/>
+          <p:cNvSpPr/>
+          <p:nvPr>
+            <p:ph idx="2" type="sldImg"/>
+          </p:nvPr>
+        </p:nvSpPr>
+        <p:spPr>
+          <a:xfrm>
+            <a:off x="381300" y="685800"/>
+            <a:ext cx="6096000" cy="3429000"/>
+          </a:xfrm>
+          <a:custGeom>
+            <a:rect b="b" l="l" r="r" t="t"/>
+            <a:pathLst>
+              <a:path extrusionOk="0" h="120000" w="120000">
+                <a:moveTo>
+                  <a:pt x="0" y="0"/>
+                </a:moveTo>
+                <a:lnTo>
+                  <a:pt x="120000" y="0"/>
+                </a:lnTo>
+                <a:lnTo>
+                  <a:pt x="120000" y="120000"/>
+                </a:lnTo>
+                <a:lnTo>
+                  <a:pt x="0" y="120000"/>
+                </a:lnTo>
+                <a:close/>
+              </a:path>
+            </a:pathLst>
+          </a:custGeom>
+        </p:spPr>
+      </p:sp>
+      <p:sp>
+        <p:nvSpPr>
+          <p:cNvPr id="145" name="Google Shape;145;g762f01053a55d460_57:notes"/>
+          <p:cNvSpPr txBox="1"/>
+          <p:nvPr>
+            <p:ph idx="1" type="body"/>
+          </p:nvPr>
+        </p:nvSpPr>
+        <p:spPr>
+          <a:xfrm>
+            <a:off x="685800" y="4343400"/>
+            <a:ext cx="5486400" cy="4114800"/>
+          </a:xfrm>
+          <a:prstGeom prst="rect">
+            <a:avLst/>
+          </a:prstGeom>
+        </p:spPr>
+        <p:txBody>
+          <a:bodyPr anchorCtr="0" anchor="t" bIns="91425" lIns="91425" spcFirstLastPara="1" rIns="91425" wrap="square" tIns="91425">
+            <a:noAutofit/>
+          </a:bodyPr>
+          <a:lstStyle/>
+          <a:p>
+            <a:pPr indent="0" lvl="0" marL="0" rtl="0" algn="l">
+              <a:spcBef>
+                <a:spcPts val="0"/>
+              </a:spcBef>
+              <a:spcAft>
+                <a:spcPts val="0"/>
+              </a:spcAft>
+              <a:buNone/>
+            </a:pPr>
+            <a:r>
+              <a:t/>
+            </a:r>
+            <a:endParaRPr/>
+          </a:p>
+        </p:txBody>
+      </p:sp>
+    </p:spTree>
+  </p:cSld>
+  <p:clrMapOvr>
+    <a:masterClrMapping/>
+  </p:clrMapOvr>
+</p:notes>
+</file>
+
+<file path=ppt/notesSlides/notesSlide15.xml><?xml version="1.0" encoding="utf-8"?>
+<p:notes xmlns:a="http://schemas.openxmlformats.org/drawingml/2006/main" xmlns:r="http://schemas.openxmlformats.org/officeDocument/2006/relationships" xmlns:mc="http://schemas.openxmlformats.org/markup-compatibility/2006" xmlns:mv="urn:schemas-microsoft-com:mac:vml" xmlns:p="http://schemas.openxmlformats.org/presentationml/2006/main" xmlns:c="http://schemas.openxmlformats.org/drawingml/2006/chart" xmlns:dgm="http://schemas.openxmlformats.org/drawingml/2006/diagram" xmlns:o="urn:schemas-microsoft-com:office:office" xmlns:v="urn:schemas-microsoft-com:vml" xmlns:pvml="urn:schemas-microsoft-com:office:powerpoint" xmlns:com="http://schemas.openxmlformats.org/drawingml/2006/compatibility" xmlns:p14="http://schemas.microsoft.com/office/powerpoint/2010/main" xmlns:p15="http://schemas.microsoft.com/office/powerpoint/2012/main" xmlns:ahyp="http://schemas.microsoft.com/office/drawing/2018/hyperlinkcolor" showMasterPhAnim="0" showMasterSp="0">
+  <p:cSld>
+    <p:spTree>
+      <p:nvGrpSpPr>
+        <p:cNvPr id="149" name="Shape 149"/>
+        <p:cNvGrpSpPr/>
+        <p:nvPr/>
+      </p:nvGrpSpPr>
+      <p:grpSpPr>
+        <a:xfrm>
+          <a:off x="0" y="0"/>
+          <a:ext cx="0" cy="0"/>
+          <a:chOff x="0" y="0"/>
+          <a:chExt cx="0" cy="0"/>
+        </a:xfrm>
+      </p:grpSpPr>
+      <p:sp>
+        <p:nvSpPr>
+          <p:cNvPr id="150" name="Google Shape;150;g762f01053a55d460_51:notes"/>
+          <p:cNvSpPr/>
+          <p:nvPr>
+            <p:ph idx="2" type="sldImg"/>
+          </p:nvPr>
+        </p:nvSpPr>
+        <p:spPr>
+          <a:xfrm>
+            <a:off x="381300" y="685800"/>
+            <a:ext cx="6096000" cy="3429000"/>
+          </a:xfrm>
+          <a:custGeom>
+            <a:rect b="b" l="l" r="r" t="t"/>
+            <a:pathLst>
+              <a:path extrusionOk="0" h="120000" w="120000">
+                <a:moveTo>
+                  <a:pt x="0" y="0"/>
+                </a:moveTo>
+                <a:lnTo>
+                  <a:pt x="120000" y="0"/>
+                </a:lnTo>
+                <a:lnTo>
+                  <a:pt x="120000" y="120000"/>
+                </a:lnTo>
+                <a:lnTo>
+                  <a:pt x="0" y="120000"/>
+                </a:lnTo>
+                <a:close/>
+              </a:path>
+            </a:pathLst>
+          </a:custGeom>
+        </p:spPr>
+      </p:sp>
+      <p:sp>
+        <p:nvSpPr>
+          <p:cNvPr id="151" name="Google Shape;151;g762f01053a55d460_51:notes"/>
+          <p:cNvSpPr txBox="1"/>
+          <p:nvPr>
+            <p:ph idx="1" type="body"/>
+          </p:nvPr>
+        </p:nvSpPr>
+        <p:spPr>
+          <a:xfrm>
+            <a:off x="685800" y="4343400"/>
+            <a:ext cx="5486400" cy="4114800"/>
+          </a:xfrm>
+          <a:prstGeom prst="rect">
+            <a:avLst/>
+          </a:prstGeom>
+        </p:spPr>
+        <p:txBody>
+          <a:bodyPr anchorCtr="0" anchor="t" bIns="91425" lIns="91425" spcFirstLastPara="1" rIns="91425" wrap="square" tIns="91425">
+            <a:noAutofit/>
+          </a:bodyPr>
+          <a:lstStyle/>
+          <a:p>
+            <a:pPr indent="0" lvl="0" marL="0" rtl="0" algn="l">
+              <a:spcBef>
+                <a:spcPts val="0"/>
+              </a:spcBef>
+              <a:spcAft>
+                <a:spcPts val="0"/>
+              </a:spcAft>
+              <a:buNone/>
+            </a:pPr>
+            <a:r>
+              <a:t/>
+            </a:r>
+            <a:endParaRPr/>
+          </a:p>
+        </p:txBody>
+      </p:sp>
+    </p:spTree>
+  </p:cSld>
+  <p:clrMapOvr>
+    <a:masterClrMapping/>
+  </p:clrMapOvr>
+</p:notes>
+</file>
+
+<file path=ppt/notesSlides/notesSlide16.xml><?xml version="1.0" encoding="utf-8"?>
+<p:notes xmlns:a="http://schemas.openxmlformats.org/drawingml/2006/main" xmlns:r="http://schemas.openxmlformats.org/officeDocument/2006/relationships" xmlns:mc="http://schemas.openxmlformats.org/markup-compatibility/2006" xmlns:mv="urn:schemas-microsoft-com:mac:vml" xmlns:p="http://schemas.openxmlformats.org/presentationml/2006/main" xmlns:c="http://schemas.openxmlformats.org/drawingml/2006/chart" xmlns:dgm="http://schemas.openxmlformats.org/drawingml/2006/diagram" xmlns:o="urn:schemas-microsoft-com:office:office" xmlns:v="urn:schemas-microsoft-com:vml" xmlns:pvml="urn:schemas-microsoft-com:office:powerpoint" xmlns:com="http://schemas.openxmlformats.org/drawingml/2006/compatibility" xmlns:p14="http://schemas.microsoft.com/office/powerpoint/2010/main" xmlns:p15="http://schemas.microsoft.com/office/powerpoint/2012/main" xmlns:ahyp="http://schemas.microsoft.com/office/drawing/2018/hyperlinkcolor" showMasterPhAnim="0" showMasterSp="0">
+  <p:cSld>
+    <p:spTree>
+      <p:nvGrpSpPr>
+        <p:cNvPr id="155" name="Shape 155"/>
+        <p:cNvGrpSpPr/>
+        <p:nvPr/>
+      </p:nvGrpSpPr>
+      <p:grpSpPr>
+        <a:xfrm>
+          <a:off x="0" y="0"/>
+          <a:ext cx="0" cy="0"/>
+          <a:chOff x="0" y="0"/>
+          <a:chExt cx="0" cy="0"/>
+        </a:xfrm>
+      </p:grpSpPr>
+      <p:sp>
+        <p:nvSpPr>
+          <p:cNvPr id="156" name="Google Shape;156;g299f516e851_0_41:notes"/>
+          <p:cNvSpPr/>
+          <p:nvPr>
+            <p:ph idx="2" type="sldImg"/>
+          </p:nvPr>
+        </p:nvSpPr>
+        <p:spPr>
+          <a:xfrm>
+            <a:off x="381300" y="685800"/>
+            <a:ext cx="6096000" cy="3429000"/>
+          </a:xfrm>
+          <a:custGeom>
+            <a:rect b="b" l="l" r="r" t="t"/>
+            <a:pathLst>
+              <a:path extrusionOk="0" h="120000" w="120000">
+                <a:moveTo>
+                  <a:pt x="0" y="0"/>
+                </a:moveTo>
+                <a:lnTo>
+                  <a:pt x="120000" y="0"/>
+                </a:lnTo>
+                <a:lnTo>
+                  <a:pt x="120000" y="120000"/>
+                </a:lnTo>
+                <a:lnTo>
+                  <a:pt x="0" y="120000"/>
+                </a:lnTo>
+                <a:close/>
+              </a:path>
+            </a:pathLst>
+          </a:custGeom>
+        </p:spPr>
+      </p:sp>
+      <p:sp>
+        <p:nvSpPr>
+          <p:cNvPr id="157" name="Google Shape;157;g299f516e851_0_41:notes"/>
           <p:cNvSpPr txBox="1"/>
           <p:nvPr>
             <p:ph idx="1" type="body"/>
@@ -1454,7 +2054,7 @@
       </p:grpSpPr>
       <p:sp>
         <p:nvSpPr>
-          <p:cNvPr id="96" name="Google Shape;96;g2991fa898a8_5_21:notes"/>
+          <p:cNvPr id="96" name="Google Shape;96;g299f516e851_0_21:notes"/>
           <p:cNvSpPr/>
           <p:nvPr>
             <p:ph idx="2" type="sldImg"/>
@@ -1489,7 +2089,7 @@
       </p:sp>
       <p:sp>
         <p:nvSpPr>
-          <p:cNvPr id="97" name="Google Shape;97;g2991fa898a8_5_21:notes"/>
+          <p:cNvPr id="97" name="Google Shape;97;g299f516e851_0_21:notes"/>
           <p:cNvSpPr txBox="1"/>
           <p:nvPr>
             <p:ph idx="1" type="body"/>
@@ -1553,7 +2153,7 @@
       </p:grpSpPr>
       <p:sp>
         <p:nvSpPr>
-          <p:cNvPr id="104" name="Google Shape;104;g762f01053a55d460_43:notes"/>
+          <p:cNvPr id="104" name="Google Shape;104;g2991fa898a8_5_21:notes"/>
           <p:cNvSpPr/>
           <p:nvPr>
             <p:ph idx="2" type="sldImg"/>
@@ -1588,7 +2188,7 @@
       </p:sp>
       <p:sp>
         <p:nvSpPr>
-          <p:cNvPr id="105" name="Google Shape;105;g762f01053a55d460_43:notes"/>
+          <p:cNvPr id="105" name="Google Shape;105;g2991fa898a8_5_21:notes"/>
           <p:cNvSpPr txBox="1"/>
           <p:nvPr>
             <p:ph idx="1" type="body"/>
@@ -1652,7 +2252,7 @@
       </p:grpSpPr>
       <p:sp>
         <p:nvSpPr>
-          <p:cNvPr id="110" name="Google Shape;110;g762f01053a55d460_57:notes"/>
+          <p:cNvPr id="110" name="Google Shape;110;g299f516e851_0_0:notes"/>
           <p:cNvSpPr/>
           <p:nvPr>
             <p:ph idx="2" type="sldImg"/>
@@ -1687,7 +2287,7 @@
       </p:sp>
       <p:sp>
         <p:nvSpPr>
-          <p:cNvPr id="111" name="Google Shape;111;g762f01053a55d460_57:notes"/>
+          <p:cNvPr id="111" name="Google Shape;111;g299f516e851_0_0:notes"/>
           <p:cNvSpPr txBox="1"/>
           <p:nvPr>
             <p:ph idx="1" type="body"/>
@@ -6681,7 +7281,7 @@
   <p:cSld>
     <p:spTree>
       <p:nvGrpSpPr>
-        <p:cNvPr id="118" name="Shape 118"/>
+        <p:cNvPr id="120" name="Shape 120"/>
         <p:cNvGrpSpPr/>
         <p:nvPr/>
       </p:nvGrpSpPr>
@@ -6695,7 +7295,515 @@
       </p:grpSpPr>
       <p:sp>
         <p:nvSpPr>
-          <p:cNvPr id="119" name="Google Shape;119;p22"/>
+          <p:cNvPr id="121" name="Google Shape;121;p22"/>
+          <p:cNvSpPr txBox="1"/>
+          <p:nvPr>
+            <p:ph type="title"/>
+          </p:nvPr>
+        </p:nvSpPr>
+        <p:spPr>
+          <a:xfrm>
+            <a:off x="311700" y="876150"/>
+            <a:ext cx="3332100" cy="4179900"/>
+          </a:xfrm>
+          <a:prstGeom prst="rect">
+            <a:avLst/>
+          </a:prstGeom>
+        </p:spPr>
+        <p:txBody>
+          <a:bodyPr anchorCtr="0" anchor="t" bIns="91425" lIns="91425" spcFirstLastPara="1" rIns="91425" wrap="square" tIns="91425">
+            <a:noAutofit/>
+          </a:bodyPr>
+          <a:lstStyle/>
+          <a:p>
+            <a:pPr indent="0" lvl="0" marL="0" rtl="0" algn="just">
+              <a:lnSpc>
+                <a:spcPct val="115000"/>
+              </a:lnSpc>
+              <a:spcBef>
+                <a:spcPts val="1500"/>
+              </a:spcBef>
+              <a:spcAft>
+                <a:spcPts val="0"/>
+              </a:spcAft>
+              <a:buNone/>
+            </a:pPr>
+            <a:r>
+              <a:rPr b="1" lang="en" sz="1600">
+                <a:latin typeface="Lexend"/>
+                <a:ea typeface="Lexend"/>
+                <a:cs typeface="Lexend"/>
+                <a:sym typeface="Lexend"/>
+              </a:rPr>
+              <a:t>Dataset Description</a:t>
+            </a:r>
+            <a:endParaRPr b="1" sz="1600">
+              <a:latin typeface="Lexend"/>
+              <a:ea typeface="Lexend"/>
+              <a:cs typeface="Lexend"/>
+              <a:sym typeface="Lexend"/>
+            </a:endParaRPr>
+          </a:p>
+          <a:p>
+            <a:pPr indent="-330200" lvl="0" marL="457200" rtl="0" algn="just">
+              <a:lnSpc>
+                <a:spcPct val="115000"/>
+              </a:lnSpc>
+              <a:spcBef>
+                <a:spcPts val="1500"/>
+              </a:spcBef>
+              <a:spcAft>
+                <a:spcPts val="0"/>
+              </a:spcAft>
+              <a:buSzPts val="1600"/>
+              <a:buFont typeface="Lexend Medium"/>
+              <a:buChar char="●"/>
+            </a:pPr>
+            <a:r>
+              <a:rPr lang="en" sz="1600">
+                <a:latin typeface="Lexend Medium"/>
+                <a:ea typeface="Lexend Medium"/>
+                <a:cs typeface="Lexend Medium"/>
+                <a:sym typeface="Lexend Medium"/>
+              </a:rPr>
+              <a:t>The scatterplot here plots the relation between some of our features to primary </a:t>
+            </a:r>
+            <a:r>
+              <a:rPr lang="en" sz="1600">
+                <a:latin typeface="Lexend Medium"/>
+                <a:ea typeface="Lexend Medium"/>
+                <a:cs typeface="Lexend Medium"/>
+                <a:sym typeface="Lexend Medium"/>
+              </a:rPr>
+              <a:t>attendance rate</a:t>
+            </a:r>
+            <a:endParaRPr sz="1600">
+              <a:latin typeface="Lexend Medium"/>
+              <a:ea typeface="Lexend Medium"/>
+              <a:cs typeface="Lexend Medium"/>
+              <a:sym typeface="Lexend Medium"/>
+            </a:endParaRPr>
+          </a:p>
+          <a:p>
+            <a:pPr indent="0" lvl="0" marL="0" rtl="0" algn="just">
+              <a:lnSpc>
+                <a:spcPct val="115000"/>
+              </a:lnSpc>
+              <a:spcBef>
+                <a:spcPts val="1500"/>
+              </a:spcBef>
+              <a:spcAft>
+                <a:spcPts val="0"/>
+              </a:spcAft>
+              <a:buNone/>
+            </a:pPr>
+            <a:r>
+              <a:t/>
+            </a:r>
+            <a:endParaRPr sz="1400">
+              <a:latin typeface="Lexend Medium"/>
+              <a:ea typeface="Lexend Medium"/>
+              <a:cs typeface="Lexend Medium"/>
+              <a:sym typeface="Lexend Medium"/>
+            </a:endParaRPr>
+          </a:p>
+          <a:p>
+            <a:pPr indent="0" lvl="0" marL="0" rtl="0" algn="just">
+              <a:lnSpc>
+                <a:spcPct val="115000"/>
+              </a:lnSpc>
+              <a:spcBef>
+                <a:spcPts val="1500"/>
+              </a:spcBef>
+              <a:spcAft>
+                <a:spcPts val="1500"/>
+              </a:spcAft>
+              <a:buNone/>
+            </a:pPr>
+            <a:r>
+              <a:rPr lang="en" sz="1400">
+                <a:latin typeface="Lexend Medium"/>
+                <a:ea typeface="Lexend Medium"/>
+                <a:cs typeface="Lexend Medium"/>
+                <a:sym typeface="Lexend Medium"/>
+              </a:rPr>
+              <a:t>A detailed PowerBI report can be found via the link below, https://app.powerbi.com/view?r=eyJrIjoiY2JlODBjYTItMDlmMy00MDM4LTgzYTItN2NlNDVlMGZlYzczIiwidCI6ImRmODY3OWNkLWE4MGUtNDVkOC05OWFjLWM4M2VkN2ZmOTVhMCJ9</a:t>
+            </a:r>
+            <a:endParaRPr sz="1400">
+              <a:latin typeface="Lexend Medium"/>
+              <a:ea typeface="Lexend Medium"/>
+              <a:cs typeface="Lexend Medium"/>
+              <a:sym typeface="Lexend Medium"/>
+            </a:endParaRPr>
+          </a:p>
+        </p:txBody>
+      </p:sp>
+      <p:pic>
+        <p:nvPicPr>
+          <p:cNvPr id="122" name="Google Shape;122;p22"/>
+          <p:cNvPicPr preferRelativeResize="0"/>
+          <p:nvPr/>
+        </p:nvPicPr>
+        <p:blipFill>
+          <a:blip r:embed="rId3">
+            <a:alphaModFix/>
+          </a:blip>
+          <a:stretch>
+            <a:fillRect/>
+          </a:stretch>
+        </p:blipFill>
+        <p:spPr>
+          <a:xfrm>
+            <a:off x="6592300" y="429650"/>
+            <a:ext cx="2097124" cy="339350"/>
+          </a:xfrm>
+          <a:prstGeom prst="rect">
+            <a:avLst/>
+          </a:prstGeom>
+          <a:noFill/>
+          <a:ln>
+            <a:noFill/>
+          </a:ln>
+        </p:spPr>
+      </p:pic>
+      <p:pic>
+        <p:nvPicPr>
+          <p:cNvPr id="123" name="Google Shape;123;p22"/>
+          <p:cNvPicPr preferRelativeResize="0"/>
+          <p:nvPr/>
+        </p:nvPicPr>
+        <p:blipFill>
+          <a:blip r:embed="rId4">
+            <a:alphaModFix/>
+          </a:blip>
+          <a:stretch>
+            <a:fillRect/>
+          </a:stretch>
+        </p:blipFill>
+        <p:spPr>
+          <a:xfrm>
+            <a:off x="4022375" y="876150"/>
+            <a:ext cx="4759644" cy="3963024"/>
+          </a:xfrm>
+          <a:prstGeom prst="rect">
+            <a:avLst/>
+          </a:prstGeom>
+          <a:noFill/>
+          <a:ln>
+            <a:noFill/>
+          </a:ln>
+        </p:spPr>
+      </p:pic>
+    </p:spTree>
+  </p:cSld>
+  <p:clrMapOvr>
+    <a:masterClrMapping/>
+  </p:clrMapOvr>
+</p:sld>
+</file>
+
+<file path=ppt/slides/slide11.xml><?xml version="1.0" encoding="utf-8"?>
+<p:sld xmlns:a="http://schemas.openxmlformats.org/drawingml/2006/main" xmlns:r="http://schemas.openxmlformats.org/officeDocument/2006/relationships" xmlns:mc="http://schemas.openxmlformats.org/markup-compatibility/2006" xmlns:mv="urn:schemas-microsoft-com:mac:vml" xmlns:p="http://schemas.openxmlformats.org/presentationml/2006/main" xmlns:c="http://schemas.openxmlformats.org/drawingml/2006/chart" xmlns:dgm="http://schemas.openxmlformats.org/drawingml/2006/diagram" xmlns:o="urn:schemas-microsoft-com:office:office" xmlns:v="urn:schemas-microsoft-com:vml" xmlns:pvml="urn:schemas-microsoft-com:office:powerpoint" xmlns:com="http://schemas.openxmlformats.org/drawingml/2006/compatibility" xmlns:p14="http://schemas.microsoft.com/office/powerpoint/2010/main" xmlns:p15="http://schemas.microsoft.com/office/powerpoint/2012/main" xmlns:ahyp="http://schemas.microsoft.com/office/drawing/2018/hyperlinkcolor">
+  <p:cSld>
+    <p:spTree>
+      <p:nvGrpSpPr>
+        <p:cNvPr id="127" name="Shape 127"/>
+        <p:cNvGrpSpPr/>
+        <p:nvPr/>
+      </p:nvGrpSpPr>
+      <p:grpSpPr>
+        <a:xfrm>
+          <a:off x="0" y="0"/>
+          <a:ext cx="0" cy="0"/>
+          <a:chOff x="0" y="0"/>
+          <a:chExt cx="0" cy="0"/>
+        </a:xfrm>
+      </p:grpSpPr>
+      <p:sp>
+        <p:nvSpPr>
+          <p:cNvPr id="128" name="Google Shape;128;p23"/>
+          <p:cNvSpPr txBox="1"/>
+          <p:nvPr>
+            <p:ph type="title"/>
+          </p:nvPr>
+        </p:nvSpPr>
+        <p:spPr>
+          <a:xfrm>
+            <a:off x="311700" y="876150"/>
+            <a:ext cx="8024400" cy="4179900"/>
+          </a:xfrm>
+          <a:prstGeom prst="rect">
+            <a:avLst/>
+          </a:prstGeom>
+        </p:spPr>
+        <p:txBody>
+          <a:bodyPr anchorCtr="0" anchor="t" bIns="91425" lIns="91425" spcFirstLastPara="1" rIns="91425" wrap="square" tIns="91425">
+            <a:noAutofit/>
+          </a:bodyPr>
+          <a:lstStyle/>
+          <a:p>
+            <a:pPr indent="0" lvl="0" marL="0" rtl="0" algn="just">
+              <a:lnSpc>
+                <a:spcPct val="115000"/>
+              </a:lnSpc>
+              <a:spcBef>
+                <a:spcPts val="1500"/>
+              </a:spcBef>
+              <a:spcAft>
+                <a:spcPts val="0"/>
+              </a:spcAft>
+              <a:buNone/>
+            </a:pPr>
+            <a:r>
+              <a:rPr b="1" lang="en" sz="1600">
+                <a:latin typeface="Lexend"/>
+                <a:ea typeface="Lexend"/>
+                <a:cs typeface="Lexend"/>
+                <a:sym typeface="Lexend"/>
+              </a:rPr>
+              <a:t>Dataset Description</a:t>
+            </a:r>
+            <a:endParaRPr b="1" sz="1600">
+              <a:latin typeface="Lexend"/>
+              <a:ea typeface="Lexend"/>
+              <a:cs typeface="Lexend"/>
+              <a:sym typeface="Lexend"/>
+            </a:endParaRPr>
+          </a:p>
+          <a:p>
+            <a:pPr indent="0" lvl="0" marL="0" rtl="0" algn="just">
+              <a:lnSpc>
+                <a:spcPct val="115000"/>
+              </a:lnSpc>
+              <a:spcBef>
+                <a:spcPts val="1500"/>
+              </a:spcBef>
+              <a:spcAft>
+                <a:spcPts val="0"/>
+              </a:spcAft>
+              <a:buNone/>
+            </a:pPr>
+            <a:r>
+              <a:rPr lang="en" sz="1600">
+                <a:latin typeface="Lexend Medium"/>
+                <a:ea typeface="Lexend Medium"/>
+                <a:cs typeface="Lexend Medium"/>
+                <a:sym typeface="Lexend Medium"/>
+              </a:rPr>
+              <a:t>After the EDA, we decide go build model with the features below</a:t>
+            </a:r>
+            <a:endParaRPr sz="1600">
+              <a:latin typeface="Lexend Medium"/>
+              <a:ea typeface="Lexend Medium"/>
+              <a:cs typeface="Lexend Medium"/>
+              <a:sym typeface="Lexend Medium"/>
+            </a:endParaRPr>
+          </a:p>
+          <a:p>
+            <a:pPr indent="-330200" lvl="0" marL="457200" rtl="0" algn="just">
+              <a:lnSpc>
+                <a:spcPct val="115000"/>
+              </a:lnSpc>
+              <a:spcBef>
+                <a:spcPts val="1500"/>
+              </a:spcBef>
+              <a:spcAft>
+                <a:spcPts val="0"/>
+              </a:spcAft>
+              <a:buSzPts val="1600"/>
+              <a:buFont typeface="Lexend Medium"/>
+              <a:buChar char="●"/>
+            </a:pPr>
+            <a:r>
+              <a:rPr lang="en" sz="1600">
+                <a:latin typeface="Lexend Medium"/>
+                <a:ea typeface="Lexend Medium"/>
+                <a:cs typeface="Lexend Medium"/>
+                <a:sym typeface="Lexend Medium"/>
+              </a:rPr>
+              <a:t>Access to improved water (% of population)</a:t>
+            </a:r>
+            <a:endParaRPr sz="1600">
+              <a:latin typeface="Lexend Medium"/>
+              <a:ea typeface="Lexend Medium"/>
+              <a:cs typeface="Lexend Medium"/>
+              <a:sym typeface="Lexend Medium"/>
+            </a:endParaRPr>
+          </a:p>
+          <a:p>
+            <a:pPr indent="-330200" lvl="0" marL="457200" rtl="0" algn="just">
+              <a:lnSpc>
+                <a:spcPct val="115000"/>
+              </a:lnSpc>
+              <a:spcBef>
+                <a:spcPts val="0"/>
+              </a:spcBef>
+              <a:spcAft>
+                <a:spcPts val="0"/>
+              </a:spcAft>
+              <a:buSzPts val="1600"/>
+              <a:buFont typeface="Lexend Medium"/>
+              <a:buChar char="●"/>
+            </a:pPr>
+            <a:r>
+              <a:rPr lang="en" sz="1600">
+                <a:latin typeface="Lexend Medium"/>
+                <a:ea typeface="Lexend Medium"/>
+                <a:cs typeface="Lexend Medium"/>
+                <a:sym typeface="Lexend Medium"/>
+              </a:rPr>
+              <a:t>Access to improved sanitation (% of population)</a:t>
+            </a:r>
+            <a:endParaRPr sz="1600">
+              <a:latin typeface="Lexend Medium"/>
+              <a:ea typeface="Lexend Medium"/>
+              <a:cs typeface="Lexend Medium"/>
+              <a:sym typeface="Lexend Medium"/>
+            </a:endParaRPr>
+          </a:p>
+          <a:p>
+            <a:pPr indent="-330200" lvl="0" marL="457200" rtl="0" algn="just">
+              <a:lnSpc>
+                <a:spcPct val="115000"/>
+              </a:lnSpc>
+              <a:spcBef>
+                <a:spcPts val="0"/>
+              </a:spcBef>
+              <a:spcAft>
+                <a:spcPts val="0"/>
+              </a:spcAft>
+              <a:buSzPts val="1600"/>
+              <a:buFont typeface="Lexend Medium"/>
+              <a:buChar char="●"/>
+            </a:pPr>
+            <a:r>
+              <a:rPr lang="en" sz="1600">
+                <a:latin typeface="Lexend Medium"/>
+                <a:ea typeface="Lexend Medium"/>
+                <a:cs typeface="Lexend Medium"/>
+                <a:sym typeface="Lexend Medium"/>
+              </a:rPr>
+              <a:t>Electricity in household (% of population)</a:t>
+            </a:r>
+            <a:endParaRPr sz="1600">
+              <a:latin typeface="Lexend Medium"/>
+              <a:ea typeface="Lexend Medium"/>
+              <a:cs typeface="Lexend Medium"/>
+              <a:sym typeface="Lexend Medium"/>
+            </a:endParaRPr>
+          </a:p>
+          <a:p>
+            <a:pPr indent="-330200" lvl="0" marL="457200" rtl="0" algn="just">
+              <a:lnSpc>
+                <a:spcPct val="115000"/>
+              </a:lnSpc>
+              <a:spcBef>
+                <a:spcPts val="0"/>
+              </a:spcBef>
+              <a:spcAft>
+                <a:spcPts val="0"/>
+              </a:spcAft>
+              <a:buSzPts val="1600"/>
+              <a:buFont typeface="Lexend Medium"/>
+              <a:buChar char="●"/>
+            </a:pPr>
+            <a:r>
+              <a:rPr lang="en" sz="1600">
+                <a:latin typeface="Lexend Medium"/>
+                <a:ea typeface="Lexend Medium"/>
+                <a:cs typeface="Lexend Medium"/>
+                <a:sym typeface="Lexend Medium"/>
+              </a:rPr>
+              <a:t>Radio and/or television in household (% of households)</a:t>
+            </a:r>
+            <a:endParaRPr sz="1600">
+              <a:latin typeface="Lexend Medium"/>
+              <a:ea typeface="Lexend Medium"/>
+              <a:cs typeface="Lexend Medium"/>
+              <a:sym typeface="Lexend Medium"/>
+            </a:endParaRPr>
+          </a:p>
+          <a:p>
+            <a:pPr indent="0" lvl="0" marL="457200" rtl="0" algn="just">
+              <a:lnSpc>
+                <a:spcPct val="115000"/>
+              </a:lnSpc>
+              <a:spcBef>
+                <a:spcPts val="1500"/>
+              </a:spcBef>
+              <a:spcAft>
+                <a:spcPts val="1500"/>
+              </a:spcAft>
+              <a:buNone/>
+            </a:pPr>
+            <a:r>
+              <a:t/>
+            </a:r>
+            <a:endParaRPr sz="1600">
+              <a:latin typeface="Lexend Medium"/>
+              <a:ea typeface="Lexend Medium"/>
+              <a:cs typeface="Lexend Medium"/>
+              <a:sym typeface="Lexend Medium"/>
+            </a:endParaRPr>
+          </a:p>
+        </p:txBody>
+      </p:sp>
+      <p:pic>
+        <p:nvPicPr>
+          <p:cNvPr id="129" name="Google Shape;129;p23"/>
+          <p:cNvPicPr preferRelativeResize="0"/>
+          <p:nvPr/>
+        </p:nvPicPr>
+        <p:blipFill>
+          <a:blip r:embed="rId3">
+            <a:alphaModFix/>
+          </a:blip>
+          <a:stretch>
+            <a:fillRect/>
+          </a:stretch>
+        </p:blipFill>
+        <p:spPr>
+          <a:xfrm>
+            <a:off x="6592300" y="429650"/>
+            <a:ext cx="2097124" cy="339350"/>
+          </a:xfrm>
+          <a:prstGeom prst="rect">
+            <a:avLst/>
+          </a:prstGeom>
+          <a:noFill/>
+          <a:ln>
+            <a:noFill/>
+          </a:ln>
+        </p:spPr>
+      </p:pic>
+    </p:spTree>
+  </p:cSld>
+  <p:clrMapOvr>
+    <a:masterClrMapping/>
+  </p:clrMapOvr>
+</p:sld>
+</file>
+
+<file path=ppt/slides/slide12.xml><?xml version="1.0" encoding="utf-8"?>
+<p:sld xmlns:a="http://schemas.openxmlformats.org/drawingml/2006/main" xmlns:r="http://schemas.openxmlformats.org/officeDocument/2006/relationships" xmlns:mc="http://schemas.openxmlformats.org/markup-compatibility/2006" xmlns:mv="urn:schemas-microsoft-com:mac:vml" xmlns:p="http://schemas.openxmlformats.org/presentationml/2006/main" xmlns:c="http://schemas.openxmlformats.org/drawingml/2006/chart" xmlns:dgm="http://schemas.openxmlformats.org/drawingml/2006/diagram" xmlns:o="urn:schemas-microsoft-com:office:office" xmlns:v="urn:schemas-microsoft-com:vml" xmlns:pvml="urn:schemas-microsoft-com:office:powerpoint" xmlns:com="http://schemas.openxmlformats.org/drawingml/2006/compatibility" xmlns:p14="http://schemas.microsoft.com/office/powerpoint/2010/main" xmlns:p15="http://schemas.microsoft.com/office/powerpoint/2012/main" xmlns:ahyp="http://schemas.microsoft.com/office/drawing/2018/hyperlinkcolor">
+  <p:cSld>
+    <p:spTree>
+      <p:nvGrpSpPr>
+        <p:cNvPr id="133" name="Shape 133"/>
+        <p:cNvGrpSpPr/>
+        <p:nvPr/>
+      </p:nvGrpSpPr>
+      <p:grpSpPr>
+        <a:xfrm>
+          <a:off x="0" y="0"/>
+          <a:ext cx="0" cy="0"/>
+          <a:chOff x="0" y="0"/>
+          <a:chExt cx="0" cy="0"/>
+        </a:xfrm>
+      </p:grpSpPr>
+      <p:sp>
+        <p:nvSpPr>
+          <p:cNvPr id="134" name="Google Shape;134;p24"/>
           <p:cNvSpPr txBox="1"/>
           <p:nvPr>
             <p:ph type="title"/>
@@ -6727,38 +7835,12 @@
             </a:pPr>
             <a:r>
               <a:rPr b="1" lang="en" sz="1800">
-                <a:solidFill>
-                  <a:srgbClr val="FF0000"/>
-                </a:solidFill>
                 <a:latin typeface="Lexend"/>
                 <a:ea typeface="Lexend"/>
                 <a:cs typeface="Lexend"/>
                 <a:sym typeface="Lexend"/>
               </a:rPr>
-              <a:t>Summary</a:t>
-            </a:r>
-            <a:endParaRPr b="1" sz="1800">
-              <a:solidFill>
-                <a:srgbClr val="FF0000"/>
-              </a:solidFill>
-              <a:latin typeface="Lexend"/>
-              <a:ea typeface="Lexend"/>
-              <a:cs typeface="Lexend"/>
-              <a:sym typeface="Lexend"/>
-            </a:endParaRPr>
-          </a:p>
-          <a:p>
-            <a:pPr indent="0" lvl="0" marL="0" rtl="0" algn="l">
-              <a:spcBef>
-                <a:spcPts val="0"/>
-              </a:spcBef>
-              <a:spcAft>
-                <a:spcPts val="0"/>
-              </a:spcAft>
-              <a:buNone/>
-            </a:pPr>
-            <a:r>
-              <a:t/>
+              <a:t>Modeling</a:t>
             </a:r>
             <a:endParaRPr b="1" sz="1800">
               <a:latin typeface="Lexend"/>
@@ -6768,6 +7850,26 @@
             </a:endParaRPr>
           </a:p>
           <a:p>
+            <a:pPr indent="0" lvl="0" marL="0" rtl="0" algn="l">
+              <a:spcBef>
+                <a:spcPts val="0"/>
+              </a:spcBef>
+              <a:spcAft>
+                <a:spcPts val="0"/>
+              </a:spcAft>
+              <a:buNone/>
+            </a:pPr>
+            <a:r>
+              <a:t/>
+            </a:r>
+            <a:endParaRPr b="1" sz="1800">
+              <a:latin typeface="Lexend"/>
+              <a:ea typeface="Lexend"/>
+              <a:cs typeface="Lexend"/>
+              <a:sym typeface="Lexend"/>
+            </a:endParaRPr>
+          </a:p>
+          <a:p>
             <a:pPr indent="-342900" lvl="0" marL="457200" rtl="0" algn="l">
               <a:spcBef>
                 <a:spcPts val="0"/>
@@ -6786,8 +7888,27 @@
                 <a:cs typeface="Lexend Medium"/>
                 <a:sym typeface="Lexend Medium"/>
               </a:rPr>
-              <a:t>Training the model after thorough data preprocessing techniques, the model was evaluated with evaluation metrics which include, R2Score, MAE, MSE which gave general comment on the model and  the model is can be considered ready for Real-world </a:t>
-            </a:r>
+              <a:t>Machine Learning Models: We utilized ML models like</a:t>
+            </a:r>
+            <a:endParaRPr sz="1800">
+              <a:latin typeface="Lexend Medium"/>
+              <a:ea typeface="Lexend Medium"/>
+              <a:cs typeface="Lexend Medium"/>
+              <a:sym typeface="Lexend Medium"/>
+            </a:endParaRPr>
+          </a:p>
+          <a:p>
+            <a:pPr indent="-342900" lvl="1" marL="914400" rtl="0" algn="l">
+              <a:spcBef>
+                <a:spcPts val="0"/>
+              </a:spcBef>
+              <a:spcAft>
+                <a:spcPts val="0"/>
+              </a:spcAft>
+              <a:buSzPts val="1800"/>
+              <a:buFont typeface="Lexend Medium"/>
+              <a:buChar char="○"/>
+            </a:pPr>
             <a:r>
               <a:rPr lang="en" sz="1800">
                 <a:latin typeface="Lexend Medium"/>
@@ -6795,8 +7916,27 @@
                 <a:cs typeface="Lexend Medium"/>
                 <a:sym typeface="Lexend Medium"/>
               </a:rPr>
-              <a:t>deployment</a:t>
-            </a:r>
+              <a:t>Support Vector Regression</a:t>
+            </a:r>
+            <a:endParaRPr sz="1800">
+              <a:latin typeface="Lexend Medium"/>
+              <a:ea typeface="Lexend Medium"/>
+              <a:cs typeface="Lexend Medium"/>
+              <a:sym typeface="Lexend Medium"/>
+            </a:endParaRPr>
+          </a:p>
+          <a:p>
+            <a:pPr indent="-342900" lvl="1" marL="914400" rtl="0" algn="l">
+              <a:spcBef>
+                <a:spcPts val="0"/>
+              </a:spcBef>
+              <a:spcAft>
+                <a:spcPts val="0"/>
+              </a:spcAft>
+              <a:buSzPts val="1800"/>
+              <a:buFont typeface="Lexend Medium"/>
+              <a:buChar char="○"/>
+            </a:pPr>
             <a:r>
               <a:rPr lang="en" sz="1800">
                 <a:latin typeface="Lexend Medium"/>
@@ -6804,7 +7944,7 @@
                 <a:cs typeface="Lexend Medium"/>
                 <a:sym typeface="Lexend Medium"/>
               </a:rPr>
-              <a:t> of solution.</a:t>
+              <a:t>K-Nearest Neighbors Regression</a:t>
             </a:r>
             <a:endParaRPr sz="1800">
               <a:latin typeface="Lexend Medium"/>
@@ -6813,11 +7953,171 @@
               <a:sym typeface="Lexend Medium"/>
             </a:endParaRPr>
           </a:p>
+          <a:p>
+            <a:pPr indent="-342900" lvl="1" marL="914400" rtl="0" algn="l">
+              <a:spcBef>
+                <a:spcPts val="0"/>
+              </a:spcBef>
+              <a:spcAft>
+                <a:spcPts val="0"/>
+              </a:spcAft>
+              <a:buSzPts val="1800"/>
+              <a:buFont typeface="Lexend Medium"/>
+              <a:buChar char="○"/>
+            </a:pPr>
+            <a:r>
+              <a:rPr lang="en" sz="1800">
+                <a:latin typeface="Lexend Medium"/>
+                <a:ea typeface="Lexend Medium"/>
+                <a:cs typeface="Lexend Medium"/>
+                <a:sym typeface="Lexend Medium"/>
+              </a:rPr>
+              <a:t>XGBoost Regression.</a:t>
+            </a:r>
+            <a:endParaRPr sz="1800">
+              <a:latin typeface="Lexend Medium"/>
+              <a:ea typeface="Lexend Medium"/>
+              <a:cs typeface="Lexend Medium"/>
+              <a:sym typeface="Lexend Medium"/>
+            </a:endParaRPr>
+          </a:p>
+          <a:p>
+            <a:pPr indent="0" lvl="0" marL="914400" rtl="0" algn="l">
+              <a:spcBef>
+                <a:spcPts val="0"/>
+              </a:spcBef>
+              <a:spcAft>
+                <a:spcPts val="0"/>
+              </a:spcAft>
+              <a:buNone/>
+            </a:pPr>
+            <a:r>
+              <a:t/>
+            </a:r>
+            <a:endParaRPr sz="1800">
+              <a:latin typeface="Lexend Medium"/>
+              <a:ea typeface="Lexend Medium"/>
+              <a:cs typeface="Lexend Medium"/>
+              <a:sym typeface="Lexend Medium"/>
+            </a:endParaRPr>
+          </a:p>
+          <a:p>
+            <a:pPr indent="-342900" lvl="0" marL="457200" rtl="0" algn="l">
+              <a:spcBef>
+                <a:spcPts val="0"/>
+              </a:spcBef>
+              <a:spcAft>
+                <a:spcPts val="0"/>
+              </a:spcAft>
+              <a:buSzPts val="1800"/>
+              <a:buFont typeface="Lexend Medium"/>
+              <a:buChar char="●"/>
+            </a:pPr>
+            <a:r>
+              <a:rPr lang="en" sz="1800">
+                <a:latin typeface="Lexend Medium"/>
+                <a:ea typeface="Lexend Medium"/>
+                <a:cs typeface="Lexend Medium"/>
+                <a:sym typeface="Lexend Medium"/>
+              </a:rPr>
+              <a:t>Evaluation Metrics: Model performance was evaluated using evaluation metrics like</a:t>
+            </a:r>
+            <a:endParaRPr sz="1800">
+              <a:latin typeface="Lexend Medium"/>
+              <a:ea typeface="Lexend Medium"/>
+              <a:cs typeface="Lexend Medium"/>
+              <a:sym typeface="Lexend Medium"/>
+            </a:endParaRPr>
+          </a:p>
+          <a:p>
+            <a:pPr indent="-342900" lvl="1" marL="914400" rtl="0" algn="l">
+              <a:spcBef>
+                <a:spcPts val="0"/>
+              </a:spcBef>
+              <a:spcAft>
+                <a:spcPts val="0"/>
+              </a:spcAft>
+              <a:buSzPts val="1800"/>
+              <a:buFont typeface="Lexend Medium"/>
+              <a:buChar char="○"/>
+            </a:pPr>
+            <a:r>
+              <a:rPr lang="en" sz="1800">
+                <a:latin typeface="Lexend Medium"/>
+                <a:ea typeface="Lexend Medium"/>
+                <a:cs typeface="Lexend Medium"/>
+                <a:sym typeface="Lexend Medium"/>
+              </a:rPr>
+              <a:t>Mean Squared Error (MSE)</a:t>
+            </a:r>
+            <a:endParaRPr sz="1800">
+              <a:latin typeface="Lexend Medium"/>
+              <a:ea typeface="Lexend Medium"/>
+              <a:cs typeface="Lexend Medium"/>
+              <a:sym typeface="Lexend Medium"/>
+            </a:endParaRPr>
+          </a:p>
+          <a:p>
+            <a:pPr indent="-342900" lvl="1" marL="914400" rtl="0" algn="l">
+              <a:spcBef>
+                <a:spcPts val="0"/>
+              </a:spcBef>
+              <a:spcAft>
+                <a:spcPts val="0"/>
+              </a:spcAft>
+              <a:buSzPts val="1800"/>
+              <a:buFont typeface="Lexend Medium"/>
+              <a:buChar char="○"/>
+            </a:pPr>
+            <a:r>
+              <a:rPr lang="en" sz="1800">
+                <a:latin typeface="Lexend Medium"/>
+                <a:ea typeface="Lexend Medium"/>
+                <a:cs typeface="Lexend Medium"/>
+                <a:sym typeface="Lexend Medium"/>
+              </a:rPr>
+              <a:t>Mean Absolute Error (MAE)</a:t>
+            </a:r>
+            <a:endParaRPr sz="1800">
+              <a:latin typeface="Lexend Medium"/>
+              <a:ea typeface="Lexend Medium"/>
+              <a:cs typeface="Lexend Medium"/>
+              <a:sym typeface="Lexend Medium"/>
+            </a:endParaRPr>
+          </a:p>
+          <a:p>
+            <a:pPr indent="-342900" lvl="1" marL="914400" rtl="0" algn="l">
+              <a:spcBef>
+                <a:spcPts val="0"/>
+              </a:spcBef>
+              <a:spcAft>
+                <a:spcPts val="0"/>
+              </a:spcAft>
+              <a:buSzPts val="1800"/>
+              <a:buFont typeface="Lexend Medium"/>
+              <a:buChar char="○"/>
+            </a:pPr>
+            <a:r>
+              <a:rPr lang="en" sz="1800">
+                <a:latin typeface="Lexend Medium"/>
+                <a:ea typeface="Lexend Medium"/>
+                <a:cs typeface="Lexend Medium"/>
+                <a:sym typeface="Lexend Medium"/>
+              </a:rPr>
+              <a:t>R-squared (R2_Score)</a:t>
+            </a:r>
+            <a:endParaRPr sz="1800">
+              <a:latin typeface="Lexend Medium"/>
+              <a:ea typeface="Lexend Medium"/>
+              <a:cs typeface="Lexend Medium"/>
+              <a:sym typeface="Lexend Medium"/>
+            </a:endParaRPr>
+          </a:p>
         </p:txBody>
       </p:sp>
       <p:pic>
         <p:nvPicPr>
-          <p:cNvPr id="120" name="Google Shape;120;p22"/>
+          <p:cNvPr id="135" name="Google Shape;135;p24"/>
           <p:cNvPicPr preferRelativeResize="0"/>
           <p:nvPr/>
         </p:nvPicPr>
@@ -6833,6 +8133,777 @@
           <a:xfrm>
             <a:off x="6592300" y="505850"/>
             <a:ext cx="2097124" cy="339350"/>
+          </a:xfrm>
+          <a:prstGeom prst="rect">
+            <a:avLst/>
+          </a:prstGeom>
+          <a:noFill/>
+          <a:ln>
+            <a:noFill/>
+          </a:ln>
+        </p:spPr>
+      </p:pic>
+    </p:spTree>
+  </p:cSld>
+  <p:clrMapOvr>
+    <a:masterClrMapping/>
+  </p:clrMapOvr>
+</p:sld>
+</file>
+
+<file path=ppt/slides/slide13.xml><?xml version="1.0" encoding="utf-8"?>
+<p:sld xmlns:a="http://schemas.openxmlformats.org/drawingml/2006/main" xmlns:r="http://schemas.openxmlformats.org/officeDocument/2006/relationships" xmlns:mc="http://schemas.openxmlformats.org/markup-compatibility/2006" xmlns:mv="urn:schemas-microsoft-com:mac:vml" xmlns:p="http://schemas.openxmlformats.org/presentationml/2006/main" xmlns:c="http://schemas.openxmlformats.org/drawingml/2006/chart" xmlns:dgm="http://schemas.openxmlformats.org/drawingml/2006/diagram" xmlns:o="urn:schemas-microsoft-com:office:office" xmlns:v="urn:schemas-microsoft-com:vml" xmlns:pvml="urn:schemas-microsoft-com:office:powerpoint" xmlns:com="http://schemas.openxmlformats.org/drawingml/2006/compatibility" xmlns:p14="http://schemas.microsoft.com/office/powerpoint/2010/main" xmlns:p15="http://schemas.microsoft.com/office/powerpoint/2012/main" xmlns:ahyp="http://schemas.microsoft.com/office/drawing/2018/hyperlinkcolor">
+  <p:cSld>
+    <p:spTree>
+      <p:nvGrpSpPr>
+        <p:cNvPr id="139" name="Shape 139"/>
+        <p:cNvGrpSpPr/>
+        <p:nvPr/>
+      </p:nvGrpSpPr>
+      <p:grpSpPr>
+        <a:xfrm>
+          <a:off x="0" y="0"/>
+          <a:ext cx="0" cy="0"/>
+          <a:chOff x="0" y="0"/>
+          <a:chExt cx="0" cy="0"/>
+        </a:xfrm>
+      </p:grpSpPr>
+      <p:sp>
+        <p:nvSpPr>
+          <p:cNvPr id="140" name="Google Shape;140;p25"/>
+          <p:cNvSpPr txBox="1"/>
+          <p:nvPr>
+            <p:ph type="title"/>
+          </p:nvPr>
+        </p:nvSpPr>
+        <p:spPr>
+          <a:xfrm>
+            <a:off x="311700" y="898625"/>
+            <a:ext cx="8520600" cy="4015800"/>
+          </a:xfrm>
+          <a:prstGeom prst="rect">
+            <a:avLst/>
+          </a:prstGeom>
+        </p:spPr>
+        <p:txBody>
+          <a:bodyPr anchorCtr="0" anchor="t" bIns="91425" lIns="91425" spcFirstLastPara="1" rIns="91425" wrap="square" tIns="91425">
+            <a:normAutofit/>
+          </a:bodyPr>
+          <a:lstStyle/>
+          <a:p>
+            <a:pPr indent="0" lvl="0" marL="0" rtl="0" algn="l">
+              <a:spcBef>
+                <a:spcPts val="0"/>
+              </a:spcBef>
+              <a:spcAft>
+                <a:spcPts val="0"/>
+              </a:spcAft>
+              <a:buNone/>
+            </a:pPr>
+            <a:r>
+              <a:rPr b="1" lang="en" sz="1800">
+                <a:latin typeface="Lexend"/>
+                <a:ea typeface="Lexend"/>
+                <a:cs typeface="Lexend"/>
+                <a:sym typeface="Lexend"/>
+              </a:rPr>
+              <a:t>Modeling: Result from evaluation metrics</a:t>
+            </a:r>
+            <a:endParaRPr b="1" sz="1800">
+              <a:latin typeface="Lexend"/>
+              <a:ea typeface="Lexend"/>
+              <a:cs typeface="Lexend"/>
+              <a:sym typeface="Lexend"/>
+            </a:endParaRPr>
+          </a:p>
+          <a:p>
+            <a:pPr indent="0" lvl="0" marL="0" rtl="0" algn="l">
+              <a:spcBef>
+                <a:spcPts val="0"/>
+              </a:spcBef>
+              <a:spcAft>
+                <a:spcPts val="0"/>
+              </a:spcAft>
+              <a:buNone/>
+            </a:pPr>
+            <a:r>
+              <a:t/>
+            </a:r>
+            <a:endParaRPr b="1" sz="1800">
+              <a:latin typeface="Lexend"/>
+              <a:ea typeface="Lexend"/>
+              <a:cs typeface="Lexend"/>
+              <a:sym typeface="Lexend"/>
+            </a:endParaRPr>
+          </a:p>
+          <a:p>
+            <a:pPr indent="0" lvl="0" marL="0" rtl="0" algn="l">
+              <a:spcBef>
+                <a:spcPts val="0"/>
+              </a:spcBef>
+              <a:spcAft>
+                <a:spcPts val="0"/>
+              </a:spcAft>
+              <a:buNone/>
+            </a:pPr>
+            <a:r>
+              <a:t/>
+            </a:r>
+            <a:endParaRPr sz="1800">
+              <a:latin typeface="Lexend Medium"/>
+              <a:ea typeface="Lexend Medium"/>
+              <a:cs typeface="Lexend Medium"/>
+              <a:sym typeface="Lexend Medium"/>
+            </a:endParaRPr>
+          </a:p>
+        </p:txBody>
+      </p:sp>
+      <p:pic>
+        <p:nvPicPr>
+          <p:cNvPr id="141" name="Google Shape;141;p25"/>
+          <p:cNvPicPr preferRelativeResize="0"/>
+          <p:nvPr/>
+        </p:nvPicPr>
+        <p:blipFill>
+          <a:blip r:embed="rId3">
+            <a:alphaModFix/>
+          </a:blip>
+          <a:stretch>
+            <a:fillRect/>
+          </a:stretch>
+        </p:blipFill>
+        <p:spPr>
+          <a:xfrm>
+            <a:off x="6592300" y="505850"/>
+            <a:ext cx="2097124" cy="339350"/>
+          </a:xfrm>
+          <a:prstGeom prst="rect">
+            <a:avLst/>
+          </a:prstGeom>
+          <a:noFill/>
+          <a:ln>
+            <a:noFill/>
+          </a:ln>
+        </p:spPr>
+      </p:pic>
+      <p:pic>
+        <p:nvPicPr>
+          <p:cNvPr id="142" name="Google Shape;142;p25"/>
+          <p:cNvPicPr preferRelativeResize="0"/>
+          <p:nvPr/>
+        </p:nvPicPr>
+        <p:blipFill>
+          <a:blip r:embed="rId4">
+            <a:alphaModFix/>
+          </a:blip>
+          <a:stretch>
+            <a:fillRect/>
+          </a:stretch>
+        </p:blipFill>
+        <p:spPr>
+          <a:xfrm>
+            <a:off x="882325" y="1359025"/>
+            <a:ext cx="7104125" cy="3639800"/>
+          </a:xfrm>
+          <a:prstGeom prst="rect">
+            <a:avLst/>
+          </a:prstGeom>
+          <a:noFill/>
+          <a:ln>
+            <a:noFill/>
+          </a:ln>
+        </p:spPr>
+      </p:pic>
+    </p:spTree>
+  </p:cSld>
+  <p:clrMapOvr>
+    <a:masterClrMapping/>
+  </p:clrMapOvr>
+</p:sld>
+</file>
+
+<file path=ppt/slides/slide14.xml><?xml version="1.0" encoding="utf-8"?>
+<p:sld xmlns:a="http://schemas.openxmlformats.org/drawingml/2006/main" xmlns:r="http://schemas.openxmlformats.org/officeDocument/2006/relationships" xmlns:mc="http://schemas.openxmlformats.org/markup-compatibility/2006" xmlns:mv="urn:schemas-microsoft-com:mac:vml" xmlns:p="http://schemas.openxmlformats.org/presentationml/2006/main" xmlns:c="http://schemas.openxmlformats.org/drawingml/2006/chart" xmlns:dgm="http://schemas.openxmlformats.org/drawingml/2006/diagram" xmlns:o="urn:schemas-microsoft-com:office:office" xmlns:v="urn:schemas-microsoft-com:vml" xmlns:pvml="urn:schemas-microsoft-com:office:powerpoint" xmlns:com="http://schemas.openxmlformats.org/drawingml/2006/compatibility" xmlns:p14="http://schemas.microsoft.com/office/powerpoint/2010/main" xmlns:p15="http://schemas.microsoft.com/office/powerpoint/2012/main" xmlns:ahyp="http://schemas.microsoft.com/office/drawing/2018/hyperlinkcolor">
+  <p:cSld>
+    <p:spTree>
+      <p:nvGrpSpPr>
+        <p:cNvPr id="146" name="Shape 146"/>
+        <p:cNvGrpSpPr/>
+        <p:nvPr/>
+      </p:nvGrpSpPr>
+      <p:grpSpPr>
+        <a:xfrm>
+          <a:off x="0" y="0"/>
+          <a:ext cx="0" cy="0"/>
+          <a:chOff x="0" y="0"/>
+          <a:chExt cx="0" cy="0"/>
+        </a:xfrm>
+      </p:grpSpPr>
+      <p:sp>
+        <p:nvSpPr>
+          <p:cNvPr id="147" name="Google Shape;147;p26"/>
+          <p:cNvSpPr txBox="1"/>
+          <p:nvPr>
+            <p:ph type="title"/>
+          </p:nvPr>
+        </p:nvSpPr>
+        <p:spPr>
+          <a:xfrm>
+            <a:off x="311700" y="935900"/>
+            <a:ext cx="8520600" cy="3978300"/>
+          </a:xfrm>
+          <a:prstGeom prst="rect">
+            <a:avLst/>
+          </a:prstGeom>
+        </p:spPr>
+        <p:txBody>
+          <a:bodyPr anchorCtr="0" anchor="t" bIns="91425" lIns="91425" spcFirstLastPara="1" rIns="91425" wrap="square" tIns="91425">
+            <a:normAutofit/>
+          </a:bodyPr>
+          <a:lstStyle/>
+          <a:p>
+            <a:pPr indent="0" lvl="0" marL="0" rtl="0" algn="l">
+              <a:spcBef>
+                <a:spcPts val="0"/>
+              </a:spcBef>
+              <a:spcAft>
+                <a:spcPts val="0"/>
+              </a:spcAft>
+              <a:buNone/>
+            </a:pPr>
+            <a:r>
+              <a:rPr b="1" lang="en" sz="1800">
+                <a:latin typeface="Lexend"/>
+                <a:ea typeface="Lexend"/>
+                <a:cs typeface="Lexend"/>
+                <a:sym typeface="Lexend"/>
+              </a:rPr>
+              <a:t>Conclusion</a:t>
+            </a:r>
+            <a:endParaRPr b="1" sz="1800">
+              <a:latin typeface="Lexend"/>
+              <a:ea typeface="Lexend"/>
+              <a:cs typeface="Lexend"/>
+              <a:sym typeface="Lexend"/>
+            </a:endParaRPr>
+          </a:p>
+          <a:p>
+            <a:pPr indent="0" lvl="0" marL="0" rtl="0" algn="l">
+              <a:spcBef>
+                <a:spcPts val="0"/>
+              </a:spcBef>
+              <a:spcAft>
+                <a:spcPts val="0"/>
+              </a:spcAft>
+              <a:buNone/>
+            </a:pPr>
+            <a:r>
+              <a:t/>
+            </a:r>
+            <a:endParaRPr b="1" sz="1000">
+              <a:latin typeface="Lexend"/>
+              <a:ea typeface="Lexend"/>
+              <a:cs typeface="Lexend"/>
+              <a:sym typeface="Lexend"/>
+            </a:endParaRPr>
+          </a:p>
+          <a:p>
+            <a:pPr indent="-342900" lvl="0" marL="457200" rtl="0" algn="l">
+              <a:spcBef>
+                <a:spcPts val="0"/>
+              </a:spcBef>
+              <a:spcAft>
+                <a:spcPts val="0"/>
+              </a:spcAft>
+              <a:buSzPts val="1800"/>
+              <a:buFont typeface="Lexend Medium"/>
+              <a:buChar char="●"/>
+            </a:pPr>
+            <a:r>
+              <a:rPr lang="en" sz="1800">
+                <a:latin typeface="Lexend Medium"/>
+                <a:ea typeface="Lexend Medium"/>
+                <a:cs typeface="Lexend Medium"/>
+                <a:sym typeface="Lexend Medium"/>
+              </a:rPr>
+              <a:t>Key Findings: </a:t>
+            </a:r>
+            <a:endParaRPr sz="1800">
+              <a:latin typeface="Lexend Medium"/>
+              <a:ea typeface="Lexend Medium"/>
+              <a:cs typeface="Lexend Medium"/>
+              <a:sym typeface="Lexend Medium"/>
+            </a:endParaRPr>
+          </a:p>
+          <a:p>
+            <a:pPr indent="0" lvl="0" marL="457200" rtl="0" algn="l">
+              <a:spcBef>
+                <a:spcPts val="0"/>
+              </a:spcBef>
+              <a:spcAft>
+                <a:spcPts val="0"/>
+              </a:spcAft>
+              <a:buNone/>
+            </a:pPr>
+            <a:r>
+              <a:rPr lang="en" sz="1800">
+                <a:latin typeface="Lexend Medium"/>
+                <a:ea typeface="Lexend Medium"/>
+                <a:cs typeface="Lexend Medium"/>
+                <a:sym typeface="Lexend Medium"/>
+              </a:rPr>
+              <a:t>XGBoost Regression Model is recommended for attendance rate prediction in </a:t>
+            </a:r>
+            <a:r>
+              <a:rPr lang="en" sz="1800">
+                <a:latin typeface="Lexend Medium"/>
+                <a:ea typeface="Lexend Medium"/>
+                <a:cs typeface="Lexend Medium"/>
+                <a:sym typeface="Lexend Medium"/>
+              </a:rPr>
+              <a:t>educational institutions </a:t>
+            </a:r>
+            <a:r>
+              <a:rPr lang="en" sz="1800">
+                <a:latin typeface="Lexend Medium"/>
+                <a:ea typeface="Lexend Medium"/>
+                <a:cs typeface="Lexend Medium"/>
+                <a:sym typeface="Lexend Medium"/>
+              </a:rPr>
+              <a:t>because it has the lower MSE Value, lower MAE value higher R2Score value as needed by a good model.</a:t>
+            </a:r>
+            <a:endParaRPr sz="1800">
+              <a:latin typeface="Lexend Medium"/>
+              <a:ea typeface="Lexend Medium"/>
+              <a:cs typeface="Lexend Medium"/>
+              <a:sym typeface="Lexend Medium"/>
+            </a:endParaRPr>
+          </a:p>
+          <a:p>
+            <a:pPr indent="0" lvl="0" marL="457200" rtl="0" algn="l">
+              <a:spcBef>
+                <a:spcPts val="0"/>
+              </a:spcBef>
+              <a:spcAft>
+                <a:spcPts val="0"/>
+              </a:spcAft>
+              <a:buNone/>
+            </a:pPr>
+            <a:r>
+              <a:t/>
+            </a:r>
+            <a:endParaRPr sz="1000">
+              <a:latin typeface="Lexend Medium"/>
+              <a:ea typeface="Lexend Medium"/>
+              <a:cs typeface="Lexend Medium"/>
+              <a:sym typeface="Lexend Medium"/>
+            </a:endParaRPr>
+          </a:p>
+          <a:p>
+            <a:pPr indent="-342900" lvl="0" marL="457200" rtl="0" algn="l">
+              <a:spcBef>
+                <a:spcPts val="0"/>
+              </a:spcBef>
+              <a:spcAft>
+                <a:spcPts val="0"/>
+              </a:spcAft>
+              <a:buSzPts val="1800"/>
+              <a:buFont typeface="Lexend Medium"/>
+              <a:buChar char="●"/>
+            </a:pPr>
+            <a:r>
+              <a:rPr lang="en" sz="1800">
+                <a:latin typeface="Lexend Medium"/>
+                <a:ea typeface="Lexend Medium"/>
+                <a:cs typeface="Lexend Medium"/>
+                <a:sym typeface="Lexend Medium"/>
+              </a:rPr>
+              <a:t>Conclusions: </a:t>
+            </a:r>
+            <a:endParaRPr sz="1800">
+              <a:latin typeface="Lexend Medium"/>
+              <a:ea typeface="Lexend Medium"/>
+              <a:cs typeface="Lexend Medium"/>
+              <a:sym typeface="Lexend Medium"/>
+            </a:endParaRPr>
+          </a:p>
+          <a:p>
+            <a:pPr indent="0" lvl="0" marL="457200" rtl="0" algn="l">
+              <a:spcBef>
+                <a:spcPts val="0"/>
+              </a:spcBef>
+              <a:spcAft>
+                <a:spcPts val="0"/>
+              </a:spcAft>
+              <a:buNone/>
+            </a:pPr>
+            <a:r>
+              <a:rPr lang="en" sz="1800">
+                <a:latin typeface="Lexend Medium"/>
+                <a:ea typeface="Lexend Medium"/>
+                <a:cs typeface="Lexend Medium"/>
+                <a:sym typeface="Lexend Medium"/>
+              </a:rPr>
+              <a:t>The XGBoost Model successfully predict attendance rate with good accuracy.</a:t>
+            </a:r>
+            <a:endParaRPr sz="1800">
+              <a:latin typeface="Lexend"/>
+              <a:ea typeface="Lexend"/>
+              <a:cs typeface="Lexend"/>
+              <a:sym typeface="Lexend"/>
+            </a:endParaRPr>
+          </a:p>
+        </p:txBody>
+      </p:sp>
+      <p:pic>
+        <p:nvPicPr>
+          <p:cNvPr id="148" name="Google Shape;148;p26"/>
+          <p:cNvPicPr preferRelativeResize="0"/>
+          <p:nvPr/>
+        </p:nvPicPr>
+        <p:blipFill>
+          <a:blip r:embed="rId3">
+            <a:alphaModFix/>
+          </a:blip>
+          <a:stretch>
+            <a:fillRect/>
+          </a:stretch>
+        </p:blipFill>
+        <p:spPr>
+          <a:xfrm>
+            <a:off x="6592300" y="505850"/>
+            <a:ext cx="2097124" cy="339350"/>
+          </a:xfrm>
+          <a:prstGeom prst="rect">
+            <a:avLst/>
+          </a:prstGeom>
+          <a:noFill/>
+          <a:ln>
+            <a:noFill/>
+          </a:ln>
+        </p:spPr>
+      </p:pic>
+    </p:spTree>
+  </p:cSld>
+  <p:clrMapOvr>
+    <a:masterClrMapping/>
+  </p:clrMapOvr>
+</p:sld>
+</file>
+
+<file path=ppt/slides/slide15.xml><?xml version="1.0" encoding="utf-8"?>
+<p:sld xmlns:a="http://schemas.openxmlformats.org/drawingml/2006/main" xmlns:r="http://schemas.openxmlformats.org/officeDocument/2006/relationships" xmlns:mc="http://schemas.openxmlformats.org/markup-compatibility/2006" xmlns:mv="urn:schemas-microsoft-com:mac:vml" xmlns:p="http://schemas.openxmlformats.org/presentationml/2006/main" xmlns:c="http://schemas.openxmlformats.org/drawingml/2006/chart" xmlns:dgm="http://schemas.openxmlformats.org/drawingml/2006/diagram" xmlns:o="urn:schemas-microsoft-com:office:office" xmlns:v="urn:schemas-microsoft-com:vml" xmlns:pvml="urn:schemas-microsoft-com:office:powerpoint" xmlns:com="http://schemas.openxmlformats.org/drawingml/2006/compatibility" xmlns:p14="http://schemas.microsoft.com/office/powerpoint/2010/main" xmlns:p15="http://schemas.microsoft.com/office/powerpoint/2012/main" xmlns:ahyp="http://schemas.microsoft.com/office/drawing/2018/hyperlinkcolor">
+  <p:cSld>
+    <p:spTree>
+      <p:nvGrpSpPr>
+        <p:cNvPr id="152" name="Shape 152"/>
+        <p:cNvGrpSpPr/>
+        <p:nvPr/>
+      </p:nvGrpSpPr>
+      <p:grpSpPr>
+        <a:xfrm>
+          <a:off x="0" y="0"/>
+          <a:ext cx="0" cy="0"/>
+          <a:chOff x="0" y="0"/>
+          <a:chExt cx="0" cy="0"/>
+        </a:xfrm>
+      </p:grpSpPr>
+      <p:sp>
+        <p:nvSpPr>
+          <p:cNvPr id="153" name="Google Shape;153;p27"/>
+          <p:cNvSpPr txBox="1"/>
+          <p:nvPr>
+            <p:ph type="title"/>
+          </p:nvPr>
+        </p:nvSpPr>
+        <p:spPr>
+          <a:xfrm>
+            <a:off x="311700" y="982800"/>
+            <a:ext cx="8520600" cy="3931500"/>
+          </a:xfrm>
+          <a:prstGeom prst="rect">
+            <a:avLst/>
+          </a:prstGeom>
+        </p:spPr>
+        <p:txBody>
+          <a:bodyPr anchorCtr="0" anchor="t" bIns="91425" lIns="91425" spcFirstLastPara="1" rIns="91425" wrap="square" tIns="91425">
+            <a:normAutofit/>
+          </a:bodyPr>
+          <a:lstStyle/>
+          <a:p>
+            <a:pPr indent="0" lvl="0" marL="0" rtl="0" algn="l">
+              <a:spcBef>
+                <a:spcPts val="0"/>
+              </a:spcBef>
+              <a:spcAft>
+                <a:spcPts val="0"/>
+              </a:spcAft>
+              <a:buNone/>
+            </a:pPr>
+            <a:r>
+              <a:rPr b="1" lang="en" sz="1800">
+                <a:latin typeface="Lexend"/>
+                <a:ea typeface="Lexend"/>
+                <a:cs typeface="Lexend"/>
+                <a:sym typeface="Lexend"/>
+              </a:rPr>
+              <a:t>Summary</a:t>
+            </a:r>
+            <a:endParaRPr b="1" sz="1800">
+              <a:latin typeface="Lexend"/>
+              <a:ea typeface="Lexend"/>
+              <a:cs typeface="Lexend"/>
+              <a:sym typeface="Lexend"/>
+            </a:endParaRPr>
+          </a:p>
+          <a:p>
+            <a:pPr indent="0" lvl="0" marL="0" rtl="0" algn="l">
+              <a:spcBef>
+                <a:spcPts val="0"/>
+              </a:spcBef>
+              <a:spcAft>
+                <a:spcPts val="0"/>
+              </a:spcAft>
+              <a:buNone/>
+            </a:pPr>
+            <a:r>
+              <a:t/>
+            </a:r>
+            <a:endParaRPr b="1" sz="1800">
+              <a:latin typeface="Lexend"/>
+              <a:ea typeface="Lexend"/>
+              <a:cs typeface="Lexend"/>
+              <a:sym typeface="Lexend"/>
+            </a:endParaRPr>
+          </a:p>
+          <a:p>
+            <a:pPr indent="-342900" lvl="0" marL="457200" rtl="0" algn="l">
+              <a:spcBef>
+                <a:spcPts val="0"/>
+              </a:spcBef>
+              <a:spcAft>
+                <a:spcPts val="0"/>
+              </a:spcAft>
+              <a:buSzPts val="1800"/>
+              <a:buFont typeface="Lexend Medium"/>
+              <a:buChar char="●"/>
+            </a:pPr>
+            <a:r>
+              <a:rPr lang="en" sz="1800">
+                <a:latin typeface="Lexend Medium"/>
+                <a:ea typeface="Lexend Medium"/>
+                <a:cs typeface="Lexend Medium"/>
+                <a:sym typeface="Lexend Medium"/>
+              </a:rPr>
+              <a:t>Training the model after thorough data preprocessing techniques, the model was evaluated with evaluation metrics which include, R2Score, MAE, MSE which gave general comment on the model and the XGBoost model can be considered ready for Real-world </a:t>
+            </a:r>
+            <a:r>
+              <a:rPr lang="en" sz="1800">
+                <a:latin typeface="Lexend Medium"/>
+                <a:ea typeface="Lexend Medium"/>
+                <a:cs typeface="Lexend Medium"/>
+                <a:sym typeface="Lexend Medium"/>
+              </a:rPr>
+              <a:t>deployment</a:t>
+            </a:r>
+            <a:r>
+              <a:rPr lang="en" sz="1800">
+                <a:latin typeface="Lexend Medium"/>
+                <a:ea typeface="Lexend Medium"/>
+                <a:cs typeface="Lexend Medium"/>
+                <a:sym typeface="Lexend Medium"/>
+              </a:rPr>
+              <a:t> of solution.</a:t>
+            </a:r>
+            <a:endParaRPr sz="1800">
+              <a:latin typeface="Lexend Medium"/>
+              <a:ea typeface="Lexend Medium"/>
+              <a:cs typeface="Lexend Medium"/>
+              <a:sym typeface="Lexend Medium"/>
+            </a:endParaRPr>
+          </a:p>
+          <a:p>
+            <a:pPr indent="-342900" lvl="0" marL="457200" rtl="0" algn="l">
+              <a:spcBef>
+                <a:spcPts val="0"/>
+              </a:spcBef>
+              <a:spcAft>
+                <a:spcPts val="0"/>
+              </a:spcAft>
+              <a:buSzPts val="1800"/>
+              <a:buFont typeface="Lexend Medium"/>
+              <a:buChar char="●"/>
+            </a:pPr>
+            <a:r>
+              <a:rPr lang="en" sz="1800">
+                <a:latin typeface="Lexend Medium"/>
+                <a:ea typeface="Lexend Medium"/>
+                <a:cs typeface="Lexend Medium"/>
+                <a:sym typeface="Lexend Medium"/>
+              </a:rPr>
+              <a:t>We recommended that attention is given to regions with lower attendance rate</a:t>
+            </a:r>
+            <a:endParaRPr sz="1800">
+              <a:latin typeface="Lexend Medium"/>
+              <a:ea typeface="Lexend Medium"/>
+              <a:cs typeface="Lexend Medium"/>
+              <a:sym typeface="Lexend Medium"/>
+            </a:endParaRPr>
+          </a:p>
+        </p:txBody>
+      </p:sp>
+      <p:pic>
+        <p:nvPicPr>
+          <p:cNvPr id="154" name="Google Shape;154;p27"/>
+          <p:cNvPicPr preferRelativeResize="0"/>
+          <p:nvPr/>
+        </p:nvPicPr>
+        <p:blipFill>
+          <a:blip r:embed="rId3">
+            <a:alphaModFix/>
+          </a:blip>
+          <a:stretch>
+            <a:fillRect/>
+          </a:stretch>
+        </p:blipFill>
+        <p:spPr>
+          <a:xfrm>
+            <a:off x="6592300" y="505850"/>
+            <a:ext cx="2097124" cy="339350"/>
+          </a:xfrm>
+          <a:prstGeom prst="rect">
+            <a:avLst/>
+          </a:prstGeom>
+          <a:noFill/>
+          <a:ln>
+            <a:noFill/>
+          </a:ln>
+        </p:spPr>
+      </p:pic>
+    </p:spTree>
+  </p:cSld>
+  <p:clrMapOvr>
+    <a:masterClrMapping/>
+  </p:clrMapOvr>
+</p:sld>
+</file>
+
+<file path=ppt/slides/slide16.xml><?xml version="1.0" encoding="utf-8"?>
+<p:sld xmlns:a="http://schemas.openxmlformats.org/drawingml/2006/main" xmlns:r="http://schemas.openxmlformats.org/officeDocument/2006/relationships" xmlns:mc="http://schemas.openxmlformats.org/markup-compatibility/2006" xmlns:mv="urn:schemas-microsoft-com:mac:vml" xmlns:p="http://schemas.openxmlformats.org/presentationml/2006/main" xmlns:c="http://schemas.openxmlformats.org/drawingml/2006/chart" xmlns:dgm="http://schemas.openxmlformats.org/drawingml/2006/diagram" xmlns:o="urn:schemas-microsoft-com:office:office" xmlns:v="urn:schemas-microsoft-com:vml" xmlns:pvml="urn:schemas-microsoft-com:office:powerpoint" xmlns:com="http://schemas.openxmlformats.org/drawingml/2006/compatibility" xmlns:p14="http://schemas.microsoft.com/office/powerpoint/2010/main" xmlns:p15="http://schemas.microsoft.com/office/powerpoint/2012/main" xmlns:ahyp="http://schemas.microsoft.com/office/drawing/2018/hyperlinkcolor">
+  <p:cSld>
+    <p:spTree>
+      <p:nvGrpSpPr>
+        <p:cNvPr id="158" name="Shape 158"/>
+        <p:cNvGrpSpPr/>
+        <p:nvPr/>
+      </p:nvGrpSpPr>
+      <p:grpSpPr>
+        <a:xfrm>
+          <a:off x="0" y="0"/>
+          <a:ext cx="0" cy="0"/>
+          <a:chOff x="0" y="0"/>
+          <a:chExt cx="0" cy="0"/>
+        </a:xfrm>
+      </p:grpSpPr>
+      <p:sp>
+        <p:nvSpPr>
+          <p:cNvPr id="159" name="Google Shape;159;p28"/>
+          <p:cNvSpPr txBox="1"/>
+          <p:nvPr>
+            <p:ph type="title"/>
+          </p:nvPr>
+        </p:nvSpPr>
+        <p:spPr>
+          <a:xfrm>
+            <a:off x="311700" y="982800"/>
+            <a:ext cx="8520600" cy="3931500"/>
+          </a:xfrm>
+          <a:prstGeom prst="rect">
+            <a:avLst/>
+          </a:prstGeom>
+        </p:spPr>
+        <p:txBody>
+          <a:bodyPr anchorCtr="0" anchor="t" bIns="91425" lIns="91425" spcFirstLastPara="1" rIns="91425" wrap="square" tIns="91425">
+            <a:normAutofit/>
+          </a:bodyPr>
+          <a:lstStyle/>
+          <a:p>
+            <a:pPr indent="0" lvl="0" marL="0" rtl="0" algn="ctr">
+              <a:spcBef>
+                <a:spcPts val="0"/>
+              </a:spcBef>
+              <a:spcAft>
+                <a:spcPts val="0"/>
+              </a:spcAft>
+              <a:buNone/>
+            </a:pPr>
+            <a:r>
+              <a:rPr b="1" lang="en" sz="4800">
+                <a:solidFill>
+                  <a:srgbClr val="FF0000"/>
+                </a:solidFill>
+                <a:latin typeface="Lexend"/>
+                <a:ea typeface="Lexend"/>
+                <a:cs typeface="Lexend"/>
+                <a:sym typeface="Lexend"/>
+              </a:rPr>
+              <a:t>Thank You</a:t>
+            </a:r>
+            <a:endParaRPr sz="4800">
+              <a:latin typeface="Lexend Medium"/>
+              <a:ea typeface="Lexend Medium"/>
+              <a:cs typeface="Lexend Medium"/>
+              <a:sym typeface="Lexend Medium"/>
+            </a:endParaRPr>
+          </a:p>
+        </p:txBody>
+      </p:sp>
+      <p:pic>
+        <p:nvPicPr>
+          <p:cNvPr id="160" name="Google Shape;160;p28"/>
+          <p:cNvPicPr preferRelativeResize="0"/>
+          <p:nvPr/>
+        </p:nvPicPr>
+        <p:blipFill>
+          <a:blip r:embed="rId3">
+            <a:alphaModFix/>
+          </a:blip>
+          <a:stretch>
+            <a:fillRect/>
+          </a:stretch>
+        </p:blipFill>
+        <p:spPr>
+          <a:xfrm>
+            <a:off x="6592300" y="505850"/>
+            <a:ext cx="2097124" cy="339350"/>
+          </a:xfrm>
+          <a:prstGeom prst="rect">
+            <a:avLst/>
+          </a:prstGeom>
+          <a:noFill/>
+          <a:ln>
+            <a:noFill/>
+          </a:ln>
+        </p:spPr>
+      </p:pic>
+      <p:pic>
+        <p:nvPicPr>
+          <p:cNvPr id="161" name="Google Shape;161;p28"/>
+          <p:cNvPicPr preferRelativeResize="0"/>
+          <p:nvPr/>
+        </p:nvPicPr>
+        <p:blipFill>
+          <a:blip r:embed="rId4">
+            <a:alphaModFix/>
+          </a:blip>
+          <a:stretch>
+            <a:fillRect/>
+          </a:stretch>
+        </p:blipFill>
+        <p:spPr>
+          <a:xfrm>
+            <a:off x="3185450" y="1836275"/>
+            <a:ext cx="2972800" cy="2972800"/>
           </a:xfrm>
           <a:prstGeom prst="rect">
             <a:avLst/>
@@ -7477,7 +9548,7 @@
             <a:tbl>
               <a:tblPr>
                 <a:noFill/>
-                <a:tableStyleId>{58276AE7-8084-4553-BAD0-9718D583F8C3}</a:tableStyleId>
+                <a:tableStyleId>{38AF6D6B-3E3B-4568-AEBD-6FA2C2EA2734}</a:tableStyleId>
               </a:tblPr>
               <a:tblGrid>
                 <a:gridCol w="2043400"/>
@@ -7755,7 +9826,7 @@
         </p:spPr>
         <p:txBody>
           <a:bodyPr anchorCtr="0" anchor="t" bIns="91425" lIns="91425" spcFirstLastPara="1" rIns="91425" wrap="square" tIns="91425">
-            <a:normAutofit/>
+            <a:normAutofit fontScale="90000"/>
           </a:bodyPr>
           <a:lstStyle/>
           <a:p>
@@ -7805,14 +9876,14 @@
             </a:endParaRPr>
           </a:p>
           <a:p>
-            <a:pPr indent="-330200" lvl="0" marL="457200" rtl="0" algn="just">
-              <a:spcBef>
-                <a:spcPts val="0"/>
-              </a:spcBef>
-              <a:spcAft>
-                <a:spcPts val="0"/>
-              </a:spcAft>
-              <a:buSzPts val="1600"/>
+            <a:pPr indent="-320040" lvl="0" marL="457200" rtl="0" algn="just">
+              <a:spcBef>
+                <a:spcPts val="0"/>
+              </a:spcBef>
+              <a:spcAft>
+                <a:spcPts val="0"/>
+              </a:spcAft>
+              <a:buSzPct val="100000"/>
               <a:buFont typeface="Lexend Medium"/>
               <a:buChar char="●"/>
             </a:pPr>
@@ -7853,14 +9924,14 @@
             </a:endParaRPr>
           </a:p>
           <a:p>
-            <a:pPr indent="-330200" lvl="0" marL="457200" rtl="0" algn="just">
-              <a:spcBef>
-                <a:spcPts val="0"/>
-              </a:spcBef>
-              <a:spcAft>
-                <a:spcPts val="0"/>
-              </a:spcAft>
-              <a:buSzPts val="1600"/>
+            <a:pPr indent="-320040" lvl="0" marL="457200" rtl="0" algn="just">
+              <a:spcBef>
+                <a:spcPts val="0"/>
+              </a:spcBef>
+              <a:spcAft>
+                <a:spcPts val="0"/>
+              </a:spcAft>
+              <a:buSzPct val="100000"/>
               <a:buFont typeface="Lexend Medium"/>
               <a:buChar char="●"/>
             </a:pPr>
@@ -7901,14 +9972,14 @@
             </a:endParaRPr>
           </a:p>
           <a:p>
-            <a:pPr indent="-330200" lvl="0" marL="457200" rtl="0" algn="just">
-              <a:spcBef>
-                <a:spcPts val="0"/>
-              </a:spcBef>
-              <a:spcAft>
-                <a:spcPts val="0"/>
-              </a:spcAft>
-              <a:buSzPts val="1600"/>
+            <a:pPr indent="-320040" lvl="0" marL="457200" rtl="0" algn="just">
+              <a:spcBef>
+                <a:spcPts val="0"/>
+              </a:spcBef>
+              <a:spcAft>
+                <a:spcPts val="0"/>
+              </a:spcAft>
+              <a:buSzPct val="100000"/>
               <a:buFont typeface="Lexend Medium"/>
               <a:buChar char="●"/>
             </a:pPr>
@@ -7920,6 +9991,54 @@
                 <a:sym typeface="Lexend Medium"/>
               </a:rPr>
               <a:t>If this problem is solved, improving attendance predictions will empower education policymakers to enhance resource allocation and educational outcomes in these regions.</a:t>
+            </a:r>
+            <a:endParaRPr sz="1600">
+              <a:latin typeface="Lexend Medium"/>
+              <a:ea typeface="Lexend Medium"/>
+              <a:cs typeface="Lexend Medium"/>
+              <a:sym typeface="Lexend Medium"/>
+            </a:endParaRPr>
+          </a:p>
+          <a:p>
+            <a:pPr indent="0" lvl="0" marL="457200" rtl="0" algn="just">
+              <a:spcBef>
+                <a:spcPts val="0"/>
+              </a:spcBef>
+              <a:spcAft>
+                <a:spcPts val="0"/>
+              </a:spcAft>
+              <a:buNone/>
+            </a:pPr>
+            <a:r>
+              <a:t/>
+            </a:r>
+            <a:endParaRPr sz="1600">
+              <a:latin typeface="Lexend Medium"/>
+              <a:ea typeface="Lexend Medium"/>
+              <a:cs typeface="Lexend Medium"/>
+              <a:sym typeface="Lexend Medium"/>
+            </a:endParaRPr>
+          </a:p>
+          <a:p>
+            <a:pPr indent="-320040" lvl="0" marL="457200" rtl="0" algn="just">
+              <a:spcBef>
+                <a:spcPts val="0"/>
+              </a:spcBef>
+              <a:spcAft>
+                <a:spcPts val="0"/>
+              </a:spcAft>
+              <a:buSzPct val="100000"/>
+              <a:buFont typeface="Lexend Medium"/>
+              <a:buChar char="●"/>
+            </a:pPr>
+            <a:r>
+              <a:rPr lang="en" sz="1600">
+                <a:latin typeface="Lexend Medium"/>
+                <a:ea typeface="Lexend Medium"/>
+                <a:cs typeface="Lexend Medium"/>
+                <a:sym typeface="Lexend Medium"/>
+              </a:rPr>
+              <a:t>The problem we are trying to solve is to determine attendance rate which can helps in educational infrastructure like building, equipments, instructors for the students. </a:t>
             </a:r>
             <a:endParaRPr sz="1600">
               <a:latin typeface="Lexend Medium"/>
@@ -8308,46 +10427,6 @@
               <a:sym typeface="Lexend Medium"/>
             </a:endParaRPr>
           </a:p>
-          <a:p>
-            <a:pPr indent="-330200" lvl="0" marL="457200" rtl="0" algn="just">
-              <a:lnSpc>
-                <a:spcPct val="115000"/>
-              </a:lnSpc>
-              <a:spcBef>
-                <a:spcPts val="0"/>
-              </a:spcBef>
-              <a:spcAft>
-                <a:spcPts val="0"/>
-              </a:spcAft>
-              <a:buSzPts val="1600"/>
-              <a:buFont typeface="Lexend Medium"/>
-              <a:buChar char="●"/>
-            </a:pPr>
-            <a:r>
-              <a:rPr b="1" lang="en" sz="1600">
-                <a:latin typeface="Lexend"/>
-                <a:ea typeface="Lexend"/>
-                <a:cs typeface="Lexend"/>
-                <a:sym typeface="Lexend"/>
-              </a:rPr>
-              <a:t>Policy Recommendations: </a:t>
-            </a:r>
-            <a:r>
-              <a:rPr lang="en" sz="1600">
-                <a:latin typeface="Lexend Medium"/>
-                <a:ea typeface="Lexend Medium"/>
-                <a:cs typeface="Lexend Medium"/>
-                <a:sym typeface="Lexend Medium"/>
-              </a:rPr>
-              <a:t>Provide insights and recommendations to education policymakers on resource allocation and interventions to improve attendance rates and educational outcomes.</a:t>
-            </a:r>
-            <a:endParaRPr sz="1600">
-              <a:latin typeface="Lexend Medium"/>
-              <a:ea typeface="Lexend Medium"/>
-              <a:cs typeface="Lexend Medium"/>
-              <a:sym typeface="Lexend Medium"/>
-            </a:endParaRPr>
-          </a:p>
         </p:txBody>
       </p:sp>
       <p:pic>
@@ -8539,6 +10618,37 @@
                 <a:sym typeface="Lexend Medium"/>
               </a:rPr>
               <a:t>The dataset contains values between the year 2003 to 2011 in regions within Africa.</a:t>
+            </a:r>
+            <a:endParaRPr sz="1600">
+              <a:latin typeface="Lexend Medium"/>
+              <a:ea typeface="Lexend Medium"/>
+              <a:cs typeface="Lexend Medium"/>
+              <a:sym typeface="Lexend Medium"/>
+            </a:endParaRPr>
+          </a:p>
+          <a:p>
+            <a:pPr indent="-330200" lvl="0" marL="457200" rtl="0" algn="just">
+              <a:lnSpc>
+                <a:spcPct val="115000"/>
+              </a:lnSpc>
+              <a:spcBef>
+                <a:spcPts val="0"/>
+              </a:spcBef>
+              <a:spcAft>
+                <a:spcPts val="0"/>
+              </a:spcAft>
+              <a:buSzPts val="1600"/>
+              <a:buFont typeface="Lexend Medium"/>
+              <a:buChar char="●"/>
+            </a:pPr>
+            <a:r>
+              <a:rPr lang="en" sz="1600">
+                <a:latin typeface="Lexend Medium"/>
+                <a:ea typeface="Lexend Medium"/>
+                <a:cs typeface="Lexend Medium"/>
+                <a:sym typeface="Lexend Medium"/>
+              </a:rPr>
+              <a:t>The dataset has a shape of (471, 68) which interpretes that there are 471 regions in 38 African countries with 68 columns.</a:t>
             </a:r>
             <a:endParaRPr sz="1600">
               <a:latin typeface="Lexend Medium"/>
@@ -8937,55 +11047,6 @@
                 <a:cs typeface="Lexend"/>
                 <a:sym typeface="Lexend"/>
               </a:rPr>
-              <a:t>Integration: </a:t>
-            </a:r>
-            <a:r>
-              <a:rPr lang="en">
-                <a:solidFill>
-                  <a:schemeClr val="dk1"/>
-                </a:solidFill>
-                <a:latin typeface="Lexend"/>
-                <a:ea typeface="Lexend"/>
-                <a:cs typeface="Lexend"/>
-                <a:sym typeface="Lexend"/>
-              </a:rPr>
-              <a:t>Combining the dataset into a unified schema.</a:t>
-            </a:r>
-            <a:endParaRPr>
-              <a:solidFill>
-                <a:schemeClr val="dk1"/>
-              </a:solidFill>
-              <a:latin typeface="Lexend"/>
-              <a:ea typeface="Lexend"/>
-              <a:cs typeface="Lexend"/>
-              <a:sym typeface="Lexend"/>
-            </a:endParaRPr>
-          </a:p>
-          <a:p>
-            <a:pPr indent="-317500" lvl="0" marL="457200" rtl="0" algn="l">
-              <a:spcBef>
-                <a:spcPts val="0"/>
-              </a:spcBef>
-              <a:spcAft>
-                <a:spcPts val="0"/>
-              </a:spcAft>
-              <a:buClr>
-                <a:schemeClr val="dk1"/>
-              </a:buClr>
-              <a:buSzPts val="1400"/>
-              <a:buFont typeface="Lexend"/>
-              <a:buChar char="●"/>
-            </a:pPr>
-            <a:r>
-              <a:rPr b="1" lang="en">
-                <a:solidFill>
-                  <a:schemeClr val="dk1"/>
-                </a:solidFill>
-                <a:latin typeface="Lexend"/>
-                <a:ea typeface="Lexend"/>
-                <a:cs typeface="Lexend"/>
-                <a:sym typeface="Lexend"/>
-              </a:rPr>
               <a:t>Loading: </a:t>
             </a:r>
             <a:r>
@@ -9053,7 +11114,7 @@
                 <a:cs typeface="Lexend"/>
                 <a:sym typeface="Lexend"/>
               </a:rPr>
-              <a:t>NOTE: Codes addressing all of this can be found in the respectve cells of the colab file </a:t>
+              <a:t>Codes addressing all of this can be found in the respective cells of the Colab file </a:t>
             </a:r>
             <a:endParaRPr>
               <a:solidFill>
@@ -9102,8 +11163,8 @@
         </p:nvSpPr>
         <p:spPr>
           <a:xfrm>
-            <a:off x="311700" y="982800"/>
-            <a:ext cx="8520600" cy="3931500"/>
+            <a:off x="311700" y="876150"/>
+            <a:ext cx="8520600" cy="4179900"/>
           </a:xfrm>
           <a:prstGeom prst="rect">
             <a:avLst/>
@@ -9111,13 +11172,16 @@
         </p:spPr>
         <p:txBody>
           <a:bodyPr anchorCtr="0" anchor="t" bIns="91425" lIns="91425" spcFirstLastPara="1" rIns="91425" wrap="square" tIns="91425">
-            <a:normAutofit/>
+            <a:noAutofit/>
           </a:bodyPr>
           <a:lstStyle/>
           <a:p>
-            <a:pPr indent="0" lvl="0" marL="0" rtl="0" algn="l">
-              <a:spcBef>
-                <a:spcPts val="0"/>
+            <a:pPr indent="0" lvl="0" marL="0" rtl="0" algn="just">
+              <a:lnSpc>
+                <a:spcPct val="115000"/>
+              </a:lnSpc>
+              <a:spcBef>
+                <a:spcPts val="1500"/>
               </a:spcBef>
               <a:spcAft>
                 <a:spcPts val="0"/>
@@ -9125,15 +11189,15 @@
               <a:buNone/>
             </a:pPr>
             <a:r>
-              <a:rPr b="1" lang="en" sz="1800">
+              <a:rPr b="1" lang="en" sz="1600">
                 <a:latin typeface="Lexend"/>
                 <a:ea typeface="Lexend"/>
                 <a:cs typeface="Lexend"/>
                 <a:sym typeface="Lexend"/>
               </a:rPr>
-              <a:t>Modeling</a:t>
-            </a:r>
-            <a:endParaRPr b="1" sz="1800">
+              <a:t>Dataset Description</a:t>
+            </a:r>
+            <a:endParaRPr b="1" sz="1600">
               <a:latin typeface="Lexend"/>
               <a:ea typeface="Lexend"/>
               <a:cs typeface="Lexend"/>
@@ -9141,47 +11205,30 @@
             </a:endParaRPr>
           </a:p>
           <a:p>
-            <a:pPr indent="0" lvl="0" marL="0" rtl="0" algn="l">
-              <a:spcBef>
-                <a:spcPts val="0"/>
-              </a:spcBef>
-              <a:spcAft>
-                <a:spcPts val="0"/>
-              </a:spcAft>
-              <a:buNone/>
-            </a:pPr>
-            <a:r>
-              <a:t/>
-            </a:r>
-            <a:endParaRPr b="1" sz="1800">
-              <a:latin typeface="Lexend"/>
-              <a:ea typeface="Lexend"/>
-              <a:cs typeface="Lexend"/>
-              <a:sym typeface="Lexend"/>
-            </a:endParaRPr>
-          </a:p>
-          <a:p>
-            <a:pPr indent="-342900" lvl="0" marL="457200" rtl="0" algn="l">
-              <a:spcBef>
-                <a:spcPts val="0"/>
-              </a:spcBef>
-              <a:spcAft>
-                <a:spcPts val="0"/>
-              </a:spcAft>
-              <a:buSzPts val="1800"/>
+            <a:pPr indent="-330200" lvl="0" marL="457200" rtl="0" algn="just">
+              <a:lnSpc>
+                <a:spcPct val="115000"/>
+              </a:lnSpc>
+              <a:spcBef>
+                <a:spcPts val="1500"/>
+              </a:spcBef>
+              <a:spcAft>
+                <a:spcPts val="0"/>
+              </a:spcAft>
+              <a:buSzPts val="1600"/>
               <a:buFont typeface="Lexend Medium"/>
               <a:buChar char="●"/>
             </a:pPr>
             <a:r>
-              <a:rPr lang="en" sz="1800">
+              <a:rPr lang="en" sz="1600">
                 <a:latin typeface="Lexend Medium"/>
                 <a:ea typeface="Lexend Medium"/>
                 <a:cs typeface="Lexend Medium"/>
                 <a:sym typeface="Lexend Medium"/>
               </a:rPr>
-              <a:t>Machine Learning Models: We utilized ML models like</a:t>
-            </a:r>
-            <a:endParaRPr sz="1800">
+              <a:t>The cleaning of the dataset include filling column with less than 10 missing values with the mean of the column in the dataset. Such columns include Television (% of pop) sample size, Radio and/or Television in household (% of population), Access to improved water (% of households).</a:t>
+            </a:r>
+            <a:endParaRPr sz="1600">
               <a:latin typeface="Lexend Medium"/>
               <a:ea typeface="Lexend Medium"/>
               <a:cs typeface="Lexend Medium"/>
@@ -9189,27 +11236,30 @@
             </a:endParaRPr>
           </a:p>
           <a:p>
-            <a:pPr indent="-342900" lvl="1" marL="914400" rtl="0" algn="l">
-              <a:spcBef>
-                <a:spcPts val="0"/>
-              </a:spcBef>
-              <a:spcAft>
-                <a:spcPts val="0"/>
-              </a:spcAft>
-              <a:buSzPts val="1800"/>
+            <a:pPr indent="-330200" lvl="0" marL="457200" rtl="0" algn="just">
+              <a:lnSpc>
+                <a:spcPct val="115000"/>
+              </a:lnSpc>
+              <a:spcBef>
+                <a:spcPts val="0"/>
+              </a:spcBef>
+              <a:spcAft>
+                <a:spcPts val="0"/>
+              </a:spcAft>
+              <a:buSzPts val="1600"/>
               <a:buFont typeface="Lexend Medium"/>
-              <a:buChar char="○"/>
+              <a:buChar char="●"/>
             </a:pPr>
             <a:r>
-              <a:rPr lang="en" sz="1800">
+              <a:rPr lang="en" sz="1600">
                 <a:latin typeface="Lexend Medium"/>
                 <a:ea typeface="Lexend Medium"/>
                 <a:cs typeface="Lexend Medium"/>
                 <a:sym typeface="Lexend Medium"/>
               </a:rPr>
-              <a:t>Support Vector Regression</a:t>
-            </a:r>
-            <a:endParaRPr sz="1800">
+              <a:t>We built a simple model to predict the values for columns that have missing values within the range of 11 to 23. Such columns include Electricity (% of hh) sample size, Radio in household (% of households), Radio </a:t>
+            </a:r>
+            <a:endParaRPr sz="1600">
               <a:latin typeface="Lexend Medium"/>
               <a:ea typeface="Lexend Medium"/>
               <a:cs typeface="Lexend Medium"/>
@@ -9217,187 +11267,30 @@
             </a:endParaRPr>
           </a:p>
           <a:p>
-            <a:pPr indent="-342900" lvl="1" marL="914400" rtl="0" algn="l">
-              <a:spcBef>
-                <a:spcPts val="0"/>
-              </a:spcBef>
-              <a:spcAft>
-                <a:spcPts val="0"/>
-              </a:spcAft>
-              <a:buSzPts val="1800"/>
+            <a:pPr indent="-330200" lvl="0" marL="457200" rtl="0" algn="just">
+              <a:lnSpc>
+                <a:spcPct val="115000"/>
+              </a:lnSpc>
+              <a:spcBef>
+                <a:spcPts val="0"/>
+              </a:spcBef>
+              <a:spcAft>
+                <a:spcPts val="0"/>
+              </a:spcAft>
+              <a:buSzPts val="1600"/>
               <a:buFont typeface="Lexend Medium"/>
-              <a:buChar char="○"/>
+              <a:buChar char="●"/>
             </a:pPr>
             <a:r>
-              <a:rPr lang="en" sz="1800">
+              <a:rPr lang="en" sz="1600">
                 <a:latin typeface="Lexend Medium"/>
                 <a:ea typeface="Lexend Medium"/>
                 <a:cs typeface="Lexend Medium"/>
                 <a:sym typeface="Lexend Medium"/>
               </a:rPr>
-              <a:t>K-Nearest Neighbors Regression</a:t>
-            </a:r>
-            <a:endParaRPr sz="1800">
-              <a:latin typeface="Lexend Medium"/>
-              <a:ea typeface="Lexend Medium"/>
-              <a:cs typeface="Lexend Medium"/>
-              <a:sym typeface="Lexend Medium"/>
-            </a:endParaRPr>
-          </a:p>
-          <a:p>
-            <a:pPr indent="-342900" lvl="1" marL="914400" rtl="0" algn="l">
-              <a:spcBef>
-                <a:spcPts val="0"/>
-              </a:spcBef>
-              <a:spcAft>
-                <a:spcPts val="0"/>
-              </a:spcAft>
-              <a:buSzPts val="1800"/>
-              <a:buFont typeface="Lexend Medium"/>
-              <a:buChar char="○"/>
-            </a:pPr>
-            <a:r>
-              <a:rPr lang="en" sz="1800">
-                <a:latin typeface="Lexend Medium"/>
-                <a:ea typeface="Lexend Medium"/>
-                <a:cs typeface="Lexend Medium"/>
-                <a:sym typeface="Lexend Medium"/>
-              </a:rPr>
-              <a:t>XGBoost Regression.</a:t>
-            </a:r>
-            <a:endParaRPr sz="1800">
-              <a:latin typeface="Lexend Medium"/>
-              <a:ea typeface="Lexend Medium"/>
-              <a:cs typeface="Lexend Medium"/>
-              <a:sym typeface="Lexend Medium"/>
-            </a:endParaRPr>
-          </a:p>
-          <a:p>
-            <a:pPr indent="0" lvl="0" marL="914400" rtl="0" algn="l">
-              <a:spcBef>
-                <a:spcPts val="0"/>
-              </a:spcBef>
-              <a:spcAft>
-                <a:spcPts val="0"/>
-              </a:spcAft>
-              <a:buNone/>
-            </a:pPr>
-            <a:r>
-              <a:t/>
-            </a:r>
-            <a:endParaRPr sz="1800">
-              <a:latin typeface="Lexend Medium"/>
-              <a:ea typeface="Lexend Medium"/>
-              <a:cs typeface="Lexend Medium"/>
-              <a:sym typeface="Lexend Medium"/>
-            </a:endParaRPr>
-          </a:p>
-          <a:p>
-            <a:pPr indent="-342900" lvl="0" marL="457200" rtl="0" algn="l">
-              <a:spcBef>
-                <a:spcPts val="0"/>
-              </a:spcBef>
-              <a:spcAft>
-                <a:spcPts val="0"/>
-              </a:spcAft>
-              <a:buSzPts val="1800"/>
-              <a:buFont typeface="Lexend Medium"/>
-              <a:buChar char="●"/>
-            </a:pPr>
-            <a:r>
-              <a:rPr lang="en" sz="1800">
-                <a:latin typeface="Lexend Medium"/>
-                <a:ea typeface="Lexend Medium"/>
-                <a:cs typeface="Lexend Medium"/>
-                <a:sym typeface="Lexend Medium"/>
-              </a:rPr>
-              <a:t>Evaluation Metrics: Model performance was evaluated using evaluation metrics like</a:t>
-            </a:r>
-            <a:endParaRPr sz="1800">
-              <a:latin typeface="Lexend Medium"/>
-              <a:ea typeface="Lexend Medium"/>
-              <a:cs typeface="Lexend Medium"/>
-              <a:sym typeface="Lexend Medium"/>
-            </a:endParaRPr>
-          </a:p>
-          <a:p>
-            <a:pPr indent="-342900" lvl="1" marL="914400" rtl="0" algn="l">
-              <a:spcBef>
-                <a:spcPts val="0"/>
-              </a:spcBef>
-              <a:spcAft>
-                <a:spcPts val="0"/>
-              </a:spcAft>
-              <a:buSzPts val="1800"/>
-              <a:buFont typeface="Lexend Medium"/>
-              <a:buChar char="○"/>
-            </a:pPr>
-            <a:r>
-              <a:rPr lang="en" sz="1800">
-                <a:latin typeface="Lexend Medium"/>
-                <a:ea typeface="Lexend Medium"/>
-                <a:cs typeface="Lexend Medium"/>
-                <a:sym typeface="Lexend Medium"/>
-              </a:rPr>
-              <a:t>Mean Squared Error (MSE)</a:t>
-            </a:r>
-            <a:endParaRPr sz="1800">
-              <a:latin typeface="Lexend Medium"/>
-              <a:ea typeface="Lexend Medium"/>
-              <a:cs typeface="Lexend Medium"/>
-              <a:sym typeface="Lexend Medium"/>
-            </a:endParaRPr>
-          </a:p>
-          <a:p>
-            <a:pPr indent="-342900" lvl="1" marL="914400" rtl="0" algn="l">
-              <a:spcBef>
-                <a:spcPts val="0"/>
-              </a:spcBef>
-              <a:spcAft>
-                <a:spcPts val="0"/>
-              </a:spcAft>
-              <a:buSzPts val="1800"/>
-              <a:buFont typeface="Lexend Medium"/>
-              <a:buChar char="○"/>
-            </a:pPr>
-            <a:r>
-              <a:rPr lang="en" sz="1800">
-                <a:latin typeface="Lexend Medium"/>
-                <a:ea typeface="Lexend Medium"/>
-                <a:cs typeface="Lexend Medium"/>
-                <a:sym typeface="Lexend Medium"/>
-              </a:rPr>
-              <a:t>Mean Absolute Error (MAE)</a:t>
-            </a:r>
-            <a:endParaRPr sz="1800">
-              <a:latin typeface="Lexend Medium"/>
-              <a:ea typeface="Lexend Medium"/>
-              <a:cs typeface="Lexend Medium"/>
-              <a:sym typeface="Lexend Medium"/>
-            </a:endParaRPr>
-          </a:p>
-          <a:p>
-            <a:pPr indent="-342900" lvl="1" marL="914400" rtl="0" algn="l">
-              <a:spcBef>
-                <a:spcPts val="0"/>
-              </a:spcBef>
-              <a:spcAft>
-                <a:spcPts val="0"/>
-              </a:spcAft>
-              <a:buSzPts val="1800"/>
-              <a:buFont typeface="Lexend Medium"/>
-              <a:buChar char="○"/>
-            </a:pPr>
-            <a:r>
-              <a:rPr lang="en" sz="1800">
-                <a:latin typeface="Lexend Medium"/>
-                <a:ea typeface="Lexend Medium"/>
-                <a:cs typeface="Lexend Medium"/>
-                <a:sym typeface="Lexend Medium"/>
-              </a:rPr>
-              <a:t>R-squared (R2_Score)</a:t>
-            </a:r>
-            <a:endParaRPr sz="1800">
+              <a:t>Columns with missing values that’s above 30 were totally dropped, this is because our dataset isn’t that large to have missing column of about 124 as in some column like Literacy rate (15 &amp; over), Literacy rate (15-24), Literacy rate (25-49).</a:t>
+            </a:r>
+            <a:endParaRPr sz="1600">
               <a:latin typeface="Lexend Medium"/>
               <a:ea typeface="Lexend Medium"/>
               <a:cs typeface="Lexend Medium"/>
@@ -9422,7 +11315,7 @@
         </p:blipFill>
         <p:spPr>
           <a:xfrm>
-            <a:off x="6592300" y="505850"/>
+            <a:off x="6592300" y="429650"/>
             <a:ext cx="2097124" cy="339350"/>
           </a:xfrm>
           <a:prstGeom prst="rect">
@@ -9469,8 +11362,8 @@
         </p:nvSpPr>
         <p:spPr>
           <a:xfrm>
-            <a:off x="311700" y="982800"/>
-            <a:ext cx="8520600" cy="3931500"/>
+            <a:off x="311700" y="876150"/>
+            <a:ext cx="8520600" cy="4179900"/>
           </a:xfrm>
           <a:prstGeom prst="rect">
             <a:avLst/>
@@ -9478,13 +11371,16 @@
         </p:spPr>
         <p:txBody>
           <a:bodyPr anchorCtr="0" anchor="t" bIns="91425" lIns="91425" spcFirstLastPara="1" rIns="91425" wrap="square" tIns="91425">
-            <a:normAutofit/>
+            <a:noAutofit/>
           </a:bodyPr>
           <a:lstStyle/>
           <a:p>
-            <a:pPr indent="0" lvl="0" marL="0" rtl="0" algn="l">
-              <a:spcBef>
-                <a:spcPts val="0"/>
+            <a:pPr indent="0" lvl="0" marL="0" rtl="0" algn="just">
+              <a:lnSpc>
+                <a:spcPct val="115000"/>
+              </a:lnSpc>
+              <a:spcBef>
+                <a:spcPts val="1500"/>
               </a:spcBef>
               <a:spcAft>
                 <a:spcPts val="0"/>
@@ -9492,15 +11388,15 @@
               <a:buNone/>
             </a:pPr>
             <a:r>
-              <a:rPr b="1" lang="en" sz="1800">
+              <a:rPr b="1" lang="en" sz="1600">
                 <a:latin typeface="Lexend"/>
                 <a:ea typeface="Lexend"/>
                 <a:cs typeface="Lexend"/>
                 <a:sym typeface="Lexend"/>
               </a:rPr>
-              <a:t>Conclusion</a:t>
-            </a:r>
-            <a:endParaRPr b="1" sz="1800">
+              <a:t>Dataset Description</a:t>
+            </a:r>
+            <a:endParaRPr b="1" sz="1600">
               <a:latin typeface="Lexend"/>
               <a:ea typeface="Lexend"/>
               <a:cs typeface="Lexend"/>
@@ -9508,151 +11404,34 @@
             </a:endParaRPr>
           </a:p>
           <a:p>
-            <a:pPr indent="0" lvl="0" marL="0" rtl="0" algn="l">
-              <a:spcBef>
-                <a:spcPts val="0"/>
-              </a:spcBef>
-              <a:spcAft>
-                <a:spcPts val="0"/>
-              </a:spcAft>
-              <a:buNone/>
-            </a:pPr>
-            <a:r>
-              <a:t/>
-            </a:r>
-            <a:endParaRPr b="1" sz="1800">
-              <a:latin typeface="Lexend"/>
-              <a:ea typeface="Lexend"/>
-              <a:cs typeface="Lexend"/>
-              <a:sym typeface="Lexend"/>
-            </a:endParaRPr>
-          </a:p>
-          <a:p>
-            <a:pPr indent="-342900" lvl="0" marL="457200" rtl="0" algn="l">
-              <a:spcBef>
-                <a:spcPts val="0"/>
-              </a:spcBef>
-              <a:spcAft>
-                <a:spcPts val="0"/>
-              </a:spcAft>
-              <a:buSzPts val="1800"/>
+            <a:pPr indent="-330200" lvl="0" marL="457200" rtl="0" algn="just">
+              <a:lnSpc>
+                <a:spcPct val="115000"/>
+              </a:lnSpc>
+              <a:spcBef>
+                <a:spcPts val="1500"/>
+              </a:spcBef>
+              <a:spcAft>
+                <a:spcPts val="0"/>
+              </a:spcAft>
+              <a:buSzPts val="1600"/>
               <a:buFont typeface="Lexend Medium"/>
               <a:buChar char="●"/>
             </a:pPr>
             <a:r>
-              <a:rPr lang="en" sz="1800">
+              <a:rPr lang="en" sz="1600">
                 <a:latin typeface="Lexend Medium"/>
                 <a:ea typeface="Lexend Medium"/>
                 <a:cs typeface="Lexend Medium"/>
                 <a:sym typeface="Lexend Medium"/>
               </a:rPr>
-              <a:t>Key Findings: </a:t>
-            </a:r>
-            <a:endParaRPr sz="1800">
+              <a:t>The histogram below tell number of regions in relation to the attendance rate (both Primary and Secondary)</a:t>
+            </a:r>
+            <a:endParaRPr sz="1600">
               <a:latin typeface="Lexend Medium"/>
               <a:ea typeface="Lexend Medium"/>
               <a:cs typeface="Lexend Medium"/>
               <a:sym typeface="Lexend Medium"/>
-            </a:endParaRPr>
-          </a:p>
-          <a:p>
-            <a:pPr indent="0" lvl="0" marL="457200" rtl="0" algn="l">
-              <a:spcBef>
-                <a:spcPts val="0"/>
-              </a:spcBef>
-              <a:spcAft>
-                <a:spcPts val="0"/>
-              </a:spcAft>
-              <a:buNone/>
-            </a:pPr>
-            <a:r>
-              <a:rPr lang="en" sz="1800">
-                <a:latin typeface="Lexend Medium"/>
-                <a:ea typeface="Lexend Medium"/>
-                <a:cs typeface="Lexend Medium"/>
-                <a:sym typeface="Lexend Medium"/>
-              </a:rPr>
-              <a:t>XGBoost Regression is recommended for attendance rate prediction in educational institutions.</a:t>
-            </a:r>
-            <a:endParaRPr sz="1800">
-              <a:latin typeface="Lexend Medium"/>
-              <a:ea typeface="Lexend Medium"/>
-              <a:cs typeface="Lexend Medium"/>
-              <a:sym typeface="Lexend Medium"/>
-            </a:endParaRPr>
-          </a:p>
-          <a:p>
-            <a:pPr indent="0" lvl="0" marL="457200" rtl="0" algn="l">
-              <a:spcBef>
-                <a:spcPts val="0"/>
-              </a:spcBef>
-              <a:spcAft>
-                <a:spcPts val="0"/>
-              </a:spcAft>
-              <a:buNone/>
-            </a:pPr>
-            <a:r>
-              <a:t/>
-            </a:r>
-            <a:endParaRPr sz="1800">
-              <a:latin typeface="Lexend Medium"/>
-              <a:ea typeface="Lexend Medium"/>
-              <a:cs typeface="Lexend Medium"/>
-              <a:sym typeface="Lexend Medium"/>
-            </a:endParaRPr>
-          </a:p>
-          <a:p>
-            <a:pPr indent="-342900" lvl="0" marL="457200" rtl="0" algn="l">
-              <a:spcBef>
-                <a:spcPts val="0"/>
-              </a:spcBef>
-              <a:spcAft>
-                <a:spcPts val="0"/>
-              </a:spcAft>
-              <a:buSzPts val="1800"/>
-              <a:buFont typeface="Lexend Medium"/>
-              <a:buChar char="●"/>
-            </a:pPr>
-            <a:r>
-              <a:rPr lang="en" sz="1800">
-                <a:latin typeface="Lexend Medium"/>
-                <a:ea typeface="Lexend Medium"/>
-                <a:cs typeface="Lexend Medium"/>
-                <a:sym typeface="Lexend Medium"/>
-              </a:rPr>
-              <a:t>Conclusions: </a:t>
-            </a:r>
-            <a:endParaRPr sz="1800">
-              <a:latin typeface="Lexend Medium"/>
-              <a:ea typeface="Lexend Medium"/>
-              <a:cs typeface="Lexend Medium"/>
-              <a:sym typeface="Lexend Medium"/>
-            </a:endParaRPr>
-          </a:p>
-          <a:p>
-            <a:pPr indent="0" lvl="0" marL="457200" rtl="0" algn="l">
-              <a:spcBef>
-                <a:spcPts val="0"/>
-              </a:spcBef>
-              <a:spcAft>
-                <a:spcPts val="0"/>
-              </a:spcAft>
-              <a:buNone/>
-            </a:pPr>
-            <a:r>
-              <a:rPr lang="en" sz="1800">
-                <a:latin typeface="Lexend Medium"/>
-                <a:ea typeface="Lexend Medium"/>
-                <a:cs typeface="Lexend Medium"/>
-                <a:sym typeface="Lexend Medium"/>
-              </a:rPr>
-              <a:t>The project successfully predict attendance rate with good accuracy.</a:t>
-            </a:r>
-            <a:endParaRPr sz="1800">
-              <a:latin typeface="Lexend"/>
-              <a:ea typeface="Lexend"/>
-              <a:cs typeface="Lexend"/>
-              <a:sym typeface="Lexend"/>
             </a:endParaRPr>
           </a:p>
         </p:txBody>
@@ -9673,8 +11452,64 @@
         </p:blipFill>
         <p:spPr>
           <a:xfrm>
-            <a:off x="6592300" y="505850"/>
+            <a:off x="6592300" y="429650"/>
             <a:ext cx="2097124" cy="339350"/>
+          </a:xfrm>
+          <a:prstGeom prst="rect">
+            <a:avLst/>
+          </a:prstGeom>
+          <a:noFill/>
+          <a:ln>
+            <a:noFill/>
+          </a:ln>
+        </p:spPr>
+      </p:pic>
+      <p:pic>
+        <p:nvPicPr>
+          <p:cNvPr id="115" name="Google Shape;115;p21"/>
+          <p:cNvPicPr preferRelativeResize="0"/>
+          <p:nvPr/>
+        </p:nvPicPr>
+        <p:blipFill>
+          <a:blip r:embed="rId4">
+            <a:alphaModFix/>
+          </a:blip>
+          <a:stretch>
+            <a:fillRect/>
+          </a:stretch>
+        </p:blipFill>
+        <p:spPr>
+          <a:xfrm>
+            <a:off x="1134325" y="2131100"/>
+            <a:ext cx="3512150" cy="2760000"/>
+          </a:xfrm>
+          <a:prstGeom prst="rect">
+            <a:avLst/>
+          </a:prstGeom>
+          <a:noFill/>
+          <a:ln>
+            <a:noFill/>
+          </a:ln>
+        </p:spPr>
+      </p:pic>
+      <p:pic>
+        <p:nvPicPr>
+          <p:cNvPr id="116" name="Google Shape;116;p21"/>
+          <p:cNvPicPr preferRelativeResize="0"/>
+          <p:nvPr/>
+        </p:nvPicPr>
+        <p:blipFill>
+          <a:blip r:embed="rId5">
+            <a:alphaModFix/>
+          </a:blip>
+          <a:stretch>
+            <a:fillRect/>
+          </a:stretch>
+        </p:blipFill>
+        <p:spPr>
+          <a:xfrm>
+            <a:off x="4849325" y="2047628"/>
+            <a:ext cx="3512150" cy="2843472"/>
           </a:xfrm>
           <a:prstGeom prst="rect">
             <a:avLst/>
